--- a/Trade Bot.pptx
+++ b/Trade Bot.pptx
@@ -20,6 +20,7 @@
     <p:sldId id="267" r:id="rId14"/>
     <p:sldId id="268" r:id="rId15"/>
     <p:sldId id="271" r:id="rId16"/>
+    <p:sldId id="272" r:id="rId17"/>
   </p:sldIdLst>
   <p:sldSz cx="12192000" cy="6858000"/>
   <p:notesSz cx="6858000" cy="9144000"/>
@@ -275,7 +276,7 @@
           <a:p>
             <a:fld id="{7DF43821-60AB-408D-8E7E-E9FE9B9750F4}" type="datetimeFigureOut">
               <a:rPr lang="en-SG" smtClean="0"/>
-              <a:t>17/01/2022</a:t>
+              <a:t>03/02/2022</a:t>
             </a:fld>
             <a:endParaRPr lang="en-SG"/>
           </a:p>
@@ -475,7 +476,7 @@
           <a:p>
             <a:fld id="{7DF43821-60AB-408D-8E7E-E9FE9B9750F4}" type="datetimeFigureOut">
               <a:rPr lang="en-SG" smtClean="0"/>
-              <a:t>17/01/2022</a:t>
+              <a:t>03/02/2022</a:t>
             </a:fld>
             <a:endParaRPr lang="en-SG"/>
           </a:p>
@@ -685,7 +686,7 @@
           <a:p>
             <a:fld id="{7DF43821-60AB-408D-8E7E-E9FE9B9750F4}" type="datetimeFigureOut">
               <a:rPr lang="en-SG" smtClean="0"/>
-              <a:t>17/01/2022</a:t>
+              <a:t>03/02/2022</a:t>
             </a:fld>
             <a:endParaRPr lang="en-SG"/>
           </a:p>
@@ -885,7 +886,7 @@
           <a:p>
             <a:fld id="{7DF43821-60AB-408D-8E7E-E9FE9B9750F4}" type="datetimeFigureOut">
               <a:rPr lang="en-SG" smtClean="0"/>
-              <a:t>17/01/2022</a:t>
+              <a:t>03/02/2022</a:t>
             </a:fld>
             <a:endParaRPr lang="en-SG"/>
           </a:p>
@@ -1161,7 +1162,7 @@
           <a:p>
             <a:fld id="{7DF43821-60AB-408D-8E7E-E9FE9B9750F4}" type="datetimeFigureOut">
               <a:rPr lang="en-SG" smtClean="0"/>
-              <a:t>17/01/2022</a:t>
+              <a:t>03/02/2022</a:t>
             </a:fld>
             <a:endParaRPr lang="en-SG"/>
           </a:p>
@@ -1429,7 +1430,7 @@
           <a:p>
             <a:fld id="{7DF43821-60AB-408D-8E7E-E9FE9B9750F4}" type="datetimeFigureOut">
               <a:rPr lang="en-SG" smtClean="0"/>
-              <a:t>17/01/2022</a:t>
+              <a:t>03/02/2022</a:t>
             </a:fld>
             <a:endParaRPr lang="en-SG"/>
           </a:p>
@@ -1844,7 +1845,7 @@
           <a:p>
             <a:fld id="{7DF43821-60AB-408D-8E7E-E9FE9B9750F4}" type="datetimeFigureOut">
               <a:rPr lang="en-SG" smtClean="0"/>
-              <a:t>17/01/2022</a:t>
+              <a:t>03/02/2022</a:t>
             </a:fld>
             <a:endParaRPr lang="en-SG"/>
           </a:p>
@@ -1986,7 +1987,7 @@
           <a:p>
             <a:fld id="{7DF43821-60AB-408D-8E7E-E9FE9B9750F4}" type="datetimeFigureOut">
               <a:rPr lang="en-SG" smtClean="0"/>
-              <a:t>17/01/2022</a:t>
+              <a:t>03/02/2022</a:t>
             </a:fld>
             <a:endParaRPr lang="en-SG"/>
           </a:p>
@@ -2099,7 +2100,7 @@
           <a:p>
             <a:fld id="{7DF43821-60AB-408D-8E7E-E9FE9B9750F4}" type="datetimeFigureOut">
               <a:rPr lang="en-SG" smtClean="0"/>
-              <a:t>17/01/2022</a:t>
+              <a:t>03/02/2022</a:t>
             </a:fld>
             <a:endParaRPr lang="en-SG"/>
           </a:p>
@@ -2412,7 +2413,7 @@
           <a:p>
             <a:fld id="{7DF43821-60AB-408D-8E7E-E9FE9B9750F4}" type="datetimeFigureOut">
               <a:rPr lang="en-SG" smtClean="0"/>
-              <a:t>17/01/2022</a:t>
+              <a:t>03/02/2022</a:t>
             </a:fld>
             <a:endParaRPr lang="en-SG"/>
           </a:p>
@@ -2701,7 +2702,7 @@
           <a:p>
             <a:fld id="{7DF43821-60AB-408D-8E7E-E9FE9B9750F4}" type="datetimeFigureOut">
               <a:rPr lang="en-SG" smtClean="0"/>
-              <a:t>17/01/2022</a:t>
+              <a:t>03/02/2022</a:t>
             </a:fld>
             <a:endParaRPr lang="en-SG"/>
           </a:p>
@@ -2944,7 +2945,7 @@
           <a:p>
             <a:fld id="{7DF43821-60AB-408D-8E7E-E9FE9B9750F4}" type="datetimeFigureOut">
               <a:rPr lang="en-SG" smtClean="0"/>
-              <a:t>17/01/2022</a:t>
+              <a:t>03/02/2022</a:t>
             </a:fld>
             <a:endParaRPr lang="en-SG"/>
           </a:p>
@@ -7502,6 +7503,1826 @@
 </p:sld>
 </file>
 
+<file path=ppt/slides/slide16.xml><?xml version="1.0" encoding="utf-8"?>
+<p:sld xmlns:a="http://schemas.openxmlformats.org/drawingml/2006/main" xmlns:r="http://schemas.openxmlformats.org/officeDocument/2006/relationships" xmlns:p="http://schemas.openxmlformats.org/presentationml/2006/main">
+  <p:cSld>
+    <p:spTree>
+      <p:nvGrpSpPr>
+        <p:cNvPr id="1" name=""/>
+        <p:cNvGrpSpPr/>
+        <p:nvPr/>
+      </p:nvGrpSpPr>
+      <p:grpSpPr>
+        <a:xfrm>
+          <a:off x="0" y="0"/>
+          <a:ext cx="0" cy="0"/>
+          <a:chOff x="0" y="0"/>
+          <a:chExt cx="0" cy="0"/>
+        </a:xfrm>
+      </p:grpSpPr>
+      <p:sp>
+        <p:nvSpPr>
+          <p:cNvPr id="2" name="Title 1">
+            <a:extLst>
+              <a:ext uri="{FF2B5EF4-FFF2-40B4-BE49-F238E27FC236}">
+                <a16:creationId xmlns:a16="http://schemas.microsoft.com/office/drawing/2014/main" id="{C799DFD5-9CBF-49C3-A637-3376FEBA9836}"/>
+              </a:ext>
+            </a:extLst>
+          </p:cNvPr>
+          <p:cNvSpPr>
+            <a:spLocks noGrp="1"/>
+          </p:cNvSpPr>
+          <p:nvPr>
+            <p:ph type="ctrTitle"/>
+          </p:nvPr>
+        </p:nvSpPr>
+        <p:spPr>
+          <a:xfrm>
+            <a:off x="1524000" y="58547"/>
+            <a:ext cx="9144000" cy="974725"/>
+          </a:xfrm>
+        </p:spPr>
+        <p:txBody>
+          <a:bodyPr/>
+          <a:lstStyle/>
+          <a:p>
+            <a:r>
+              <a:rPr lang="en-US" dirty="0"/>
+              <a:t>Processing Flow Chart</a:t>
+            </a:r>
+            <a:endParaRPr lang="en-SG" dirty="0"/>
+          </a:p>
+        </p:txBody>
+      </p:sp>
+      <p:sp>
+        <p:nvSpPr>
+          <p:cNvPr id="4" name="Rectangle 3">
+            <a:extLst>
+              <a:ext uri="{FF2B5EF4-FFF2-40B4-BE49-F238E27FC236}">
+                <a16:creationId xmlns:a16="http://schemas.microsoft.com/office/drawing/2014/main" id="{08289B44-1F75-4620-BB5E-05E4EE23FF00}"/>
+              </a:ext>
+            </a:extLst>
+          </p:cNvPr>
+          <p:cNvSpPr/>
+          <p:nvPr/>
+        </p:nvSpPr>
+        <p:spPr>
+          <a:xfrm>
+            <a:off x="2112264" y="2388526"/>
+            <a:ext cx="1783080" cy="658367"/>
+          </a:xfrm>
+          <a:prstGeom prst="rect">
+            <a:avLst/>
+          </a:prstGeom>
+        </p:spPr>
+        <p:style>
+          <a:lnRef idx="2">
+            <a:schemeClr val="dk1"/>
+          </a:lnRef>
+          <a:fillRef idx="1">
+            <a:schemeClr val="lt1"/>
+          </a:fillRef>
+          <a:effectRef idx="0">
+            <a:schemeClr val="dk1"/>
+          </a:effectRef>
+          <a:fontRef idx="minor">
+            <a:schemeClr val="dk1"/>
+          </a:fontRef>
+        </p:style>
+        <p:txBody>
+          <a:bodyPr rtlCol="0" anchor="ctr"/>
+          <a:lstStyle/>
+          <a:p>
+            <a:pPr algn="ctr"/>
+            <a:r>
+              <a:rPr lang="en-SG" sz="1200" dirty="0"/>
+              <a:t>Retrieve tickers from watchlist.csv (exported from trading view)</a:t>
+            </a:r>
+          </a:p>
+        </p:txBody>
+      </p:sp>
+      <p:sp>
+        <p:nvSpPr>
+          <p:cNvPr id="6" name="Rectangle 5">
+            <a:extLst>
+              <a:ext uri="{FF2B5EF4-FFF2-40B4-BE49-F238E27FC236}">
+                <a16:creationId xmlns:a16="http://schemas.microsoft.com/office/drawing/2014/main" id="{082486E2-5551-494D-B786-DA543CFB1431}"/>
+              </a:ext>
+            </a:extLst>
+          </p:cNvPr>
+          <p:cNvSpPr/>
+          <p:nvPr/>
+        </p:nvSpPr>
+        <p:spPr>
+          <a:xfrm>
+            <a:off x="2112264" y="3659542"/>
+            <a:ext cx="1783080" cy="658367"/>
+          </a:xfrm>
+          <a:prstGeom prst="rect">
+            <a:avLst/>
+          </a:prstGeom>
+        </p:spPr>
+        <p:style>
+          <a:lnRef idx="2">
+            <a:schemeClr val="dk1"/>
+          </a:lnRef>
+          <a:fillRef idx="1">
+            <a:schemeClr val="lt1"/>
+          </a:fillRef>
+          <a:effectRef idx="0">
+            <a:schemeClr val="dk1"/>
+          </a:effectRef>
+          <a:fontRef idx="minor">
+            <a:schemeClr val="dk1"/>
+          </a:fontRef>
+        </p:style>
+        <p:txBody>
+          <a:bodyPr rtlCol="0" anchor="ctr"/>
+          <a:lstStyle/>
+          <a:p>
+            <a:pPr algn="ctr"/>
+            <a:r>
+              <a:rPr lang="en-SG" sz="1200" dirty="0"/>
+              <a:t>Create a dictionary of tickers + </a:t>
+            </a:r>
+            <a:r>
+              <a:rPr lang="en-SG" sz="1200" dirty="0" err="1"/>
+              <a:t>dataframes</a:t>
+            </a:r>
+            <a:endParaRPr lang="en-SG" sz="1200" dirty="0"/>
+          </a:p>
+        </p:txBody>
+      </p:sp>
+      <p:cxnSp>
+        <p:nvCxnSpPr>
+          <p:cNvPr id="8" name="Straight Arrow Connector 7">
+            <a:extLst>
+              <a:ext uri="{FF2B5EF4-FFF2-40B4-BE49-F238E27FC236}">
+                <a16:creationId xmlns:a16="http://schemas.microsoft.com/office/drawing/2014/main" id="{4BF7A10F-9FF2-4DFE-9EFB-6F46F28CB261}"/>
+              </a:ext>
+            </a:extLst>
+          </p:cNvPr>
+          <p:cNvCxnSpPr>
+            <a:stCxn id="4" idx="2"/>
+            <a:endCxn id="6" idx="0"/>
+          </p:cNvCxnSpPr>
+          <p:nvPr/>
+        </p:nvCxnSpPr>
+        <p:spPr>
+          <a:xfrm>
+            <a:off x="3003804" y="3046893"/>
+            <a:ext cx="0" cy="612649"/>
+          </a:xfrm>
+          <a:prstGeom prst="straightConnector1">
+            <a:avLst/>
+          </a:prstGeom>
+          <a:ln>
+            <a:tailEnd type="triangle"/>
+          </a:ln>
+        </p:spPr>
+        <p:style>
+          <a:lnRef idx="1">
+            <a:schemeClr val="accent1"/>
+          </a:lnRef>
+          <a:fillRef idx="0">
+            <a:schemeClr val="accent1"/>
+          </a:fillRef>
+          <a:effectRef idx="0">
+            <a:schemeClr val="accent1"/>
+          </a:effectRef>
+          <a:fontRef idx="minor">
+            <a:schemeClr val="tx1"/>
+          </a:fontRef>
+        </p:style>
+      </p:cxnSp>
+      <p:sp>
+        <p:nvSpPr>
+          <p:cNvPr id="9" name="Subtitle 2">
+            <a:extLst>
+              <a:ext uri="{FF2B5EF4-FFF2-40B4-BE49-F238E27FC236}">
+                <a16:creationId xmlns:a16="http://schemas.microsoft.com/office/drawing/2014/main" id="{E144F5D3-831B-4EB6-9C20-55EBBE13C0F6}"/>
+              </a:ext>
+            </a:extLst>
+          </p:cNvPr>
+          <p:cNvSpPr txBox="1">
+            <a:spLocks/>
+          </p:cNvSpPr>
+          <p:nvPr/>
+        </p:nvSpPr>
+        <p:spPr>
+          <a:xfrm>
+            <a:off x="2036760" y="1122062"/>
+            <a:ext cx="2018754" cy="392558"/>
+          </a:xfrm>
+          <a:prstGeom prst="rect">
+            <a:avLst/>
+          </a:prstGeom>
+        </p:spPr>
+        <p:txBody>
+          <a:bodyPr vert="horz" lIns="91440" tIns="45720" rIns="91440" bIns="45720" rtlCol="0">
+            <a:noAutofit/>
+          </a:bodyPr>
+          <a:lstStyle>
+            <a:lvl1pPr marL="0" indent="0" algn="ctr" defTabSz="914400" rtl="0" eaLnBrk="1" latinLnBrk="0" hangingPunct="1">
+              <a:lnSpc>
+                <a:spcPct val="90000"/>
+              </a:lnSpc>
+              <a:spcBef>
+                <a:spcPts val="1000"/>
+              </a:spcBef>
+              <a:buFont typeface="Arial" panose="020B0604020202020204" pitchFamily="34" charset="0"/>
+              <a:buNone/>
+              <a:defRPr sz="2400" kern="1200">
+                <a:solidFill>
+                  <a:schemeClr val="tx1"/>
+                </a:solidFill>
+                <a:latin typeface="+mn-lt"/>
+                <a:ea typeface="+mn-ea"/>
+                <a:cs typeface="+mn-cs"/>
+              </a:defRPr>
+            </a:lvl1pPr>
+            <a:lvl2pPr marL="457200" indent="0" algn="ctr" defTabSz="914400" rtl="0" eaLnBrk="1" latinLnBrk="0" hangingPunct="1">
+              <a:lnSpc>
+                <a:spcPct val="90000"/>
+              </a:lnSpc>
+              <a:spcBef>
+                <a:spcPts val="500"/>
+              </a:spcBef>
+              <a:buFont typeface="Arial" panose="020B0604020202020204" pitchFamily="34" charset="0"/>
+              <a:buNone/>
+              <a:defRPr sz="2000" kern="1200">
+                <a:solidFill>
+                  <a:schemeClr val="tx1"/>
+                </a:solidFill>
+                <a:latin typeface="+mn-lt"/>
+                <a:ea typeface="+mn-ea"/>
+                <a:cs typeface="+mn-cs"/>
+              </a:defRPr>
+            </a:lvl2pPr>
+            <a:lvl3pPr marL="914400" indent="0" algn="ctr" defTabSz="914400" rtl="0" eaLnBrk="1" latinLnBrk="0" hangingPunct="1">
+              <a:lnSpc>
+                <a:spcPct val="90000"/>
+              </a:lnSpc>
+              <a:spcBef>
+                <a:spcPts val="500"/>
+              </a:spcBef>
+              <a:buFont typeface="Arial" panose="020B0604020202020204" pitchFamily="34" charset="0"/>
+              <a:buNone/>
+              <a:defRPr sz="1800" kern="1200">
+                <a:solidFill>
+                  <a:schemeClr val="tx1"/>
+                </a:solidFill>
+                <a:latin typeface="+mn-lt"/>
+                <a:ea typeface="+mn-ea"/>
+                <a:cs typeface="+mn-cs"/>
+              </a:defRPr>
+            </a:lvl3pPr>
+            <a:lvl4pPr marL="1371600" indent="0" algn="ctr" defTabSz="914400" rtl="0" eaLnBrk="1" latinLnBrk="0" hangingPunct="1">
+              <a:lnSpc>
+                <a:spcPct val="90000"/>
+              </a:lnSpc>
+              <a:spcBef>
+                <a:spcPts val="500"/>
+              </a:spcBef>
+              <a:buFont typeface="Arial" panose="020B0604020202020204" pitchFamily="34" charset="0"/>
+              <a:buNone/>
+              <a:defRPr sz="1600" kern="1200">
+                <a:solidFill>
+                  <a:schemeClr val="tx1"/>
+                </a:solidFill>
+                <a:latin typeface="+mn-lt"/>
+                <a:ea typeface="+mn-ea"/>
+                <a:cs typeface="+mn-cs"/>
+              </a:defRPr>
+            </a:lvl4pPr>
+            <a:lvl5pPr marL="1828800" indent="0" algn="ctr" defTabSz="914400" rtl="0" eaLnBrk="1" latinLnBrk="0" hangingPunct="1">
+              <a:lnSpc>
+                <a:spcPct val="90000"/>
+              </a:lnSpc>
+              <a:spcBef>
+                <a:spcPts val="500"/>
+              </a:spcBef>
+              <a:buFont typeface="Arial" panose="020B0604020202020204" pitchFamily="34" charset="0"/>
+              <a:buNone/>
+              <a:defRPr sz="1600" kern="1200">
+                <a:solidFill>
+                  <a:schemeClr val="tx1"/>
+                </a:solidFill>
+                <a:latin typeface="+mn-lt"/>
+                <a:ea typeface="+mn-ea"/>
+                <a:cs typeface="+mn-cs"/>
+              </a:defRPr>
+            </a:lvl5pPr>
+            <a:lvl6pPr marL="2286000" indent="0" algn="ctr" defTabSz="914400" rtl="0" eaLnBrk="1" latinLnBrk="0" hangingPunct="1">
+              <a:lnSpc>
+                <a:spcPct val="90000"/>
+              </a:lnSpc>
+              <a:spcBef>
+                <a:spcPts val="500"/>
+              </a:spcBef>
+              <a:buFont typeface="Arial" panose="020B0604020202020204" pitchFamily="34" charset="0"/>
+              <a:buNone/>
+              <a:defRPr sz="1600" kern="1200">
+                <a:solidFill>
+                  <a:schemeClr val="tx1"/>
+                </a:solidFill>
+                <a:latin typeface="+mn-lt"/>
+                <a:ea typeface="+mn-ea"/>
+                <a:cs typeface="+mn-cs"/>
+              </a:defRPr>
+            </a:lvl6pPr>
+            <a:lvl7pPr marL="2743200" indent="0" algn="ctr" defTabSz="914400" rtl="0" eaLnBrk="1" latinLnBrk="0" hangingPunct="1">
+              <a:lnSpc>
+                <a:spcPct val="90000"/>
+              </a:lnSpc>
+              <a:spcBef>
+                <a:spcPts val="500"/>
+              </a:spcBef>
+              <a:buFont typeface="Arial" panose="020B0604020202020204" pitchFamily="34" charset="0"/>
+              <a:buNone/>
+              <a:defRPr sz="1600" kern="1200">
+                <a:solidFill>
+                  <a:schemeClr val="tx1"/>
+                </a:solidFill>
+                <a:latin typeface="+mn-lt"/>
+                <a:ea typeface="+mn-ea"/>
+                <a:cs typeface="+mn-cs"/>
+              </a:defRPr>
+            </a:lvl7pPr>
+            <a:lvl8pPr marL="3200400" indent="0" algn="ctr" defTabSz="914400" rtl="0" eaLnBrk="1" latinLnBrk="0" hangingPunct="1">
+              <a:lnSpc>
+                <a:spcPct val="90000"/>
+              </a:lnSpc>
+              <a:spcBef>
+                <a:spcPts val="500"/>
+              </a:spcBef>
+              <a:buFont typeface="Arial" panose="020B0604020202020204" pitchFamily="34" charset="0"/>
+              <a:buNone/>
+              <a:defRPr sz="1600" kern="1200">
+                <a:solidFill>
+                  <a:schemeClr val="tx1"/>
+                </a:solidFill>
+                <a:latin typeface="+mn-lt"/>
+                <a:ea typeface="+mn-ea"/>
+                <a:cs typeface="+mn-cs"/>
+              </a:defRPr>
+            </a:lvl8pPr>
+            <a:lvl9pPr marL="3657600" indent="0" algn="ctr" defTabSz="914400" rtl="0" eaLnBrk="1" latinLnBrk="0" hangingPunct="1">
+              <a:lnSpc>
+                <a:spcPct val="90000"/>
+              </a:lnSpc>
+              <a:spcBef>
+                <a:spcPts val="500"/>
+              </a:spcBef>
+              <a:buFont typeface="Arial" panose="020B0604020202020204" pitchFamily="34" charset="0"/>
+              <a:buNone/>
+              <a:defRPr sz="1600" kern="1200">
+                <a:solidFill>
+                  <a:schemeClr val="tx1"/>
+                </a:solidFill>
+                <a:latin typeface="+mn-lt"/>
+                <a:ea typeface="+mn-ea"/>
+                <a:cs typeface="+mn-cs"/>
+              </a:defRPr>
+            </a:lvl9pPr>
+          </a:lstStyle>
+          <a:p>
+            <a:pPr algn="l"/>
+            <a:r>
+              <a:rPr lang="en-US" sz="1200" b="1" dirty="0"/>
+              <a:t>Start of program (run once)</a:t>
+            </a:r>
+            <a:endParaRPr lang="en-US" sz="1200" dirty="0"/>
+          </a:p>
+        </p:txBody>
+      </p:sp>
+      <p:sp>
+        <p:nvSpPr>
+          <p:cNvPr id="10" name="Subtitle 2">
+            <a:extLst>
+              <a:ext uri="{FF2B5EF4-FFF2-40B4-BE49-F238E27FC236}">
+                <a16:creationId xmlns:a16="http://schemas.microsoft.com/office/drawing/2014/main" id="{D7C7D651-489D-4861-A8E0-E741EEF9D66D}"/>
+              </a:ext>
+            </a:extLst>
+          </p:cNvPr>
+          <p:cNvSpPr txBox="1">
+            <a:spLocks/>
+          </p:cNvSpPr>
+          <p:nvPr/>
+        </p:nvSpPr>
+        <p:spPr>
+          <a:xfrm>
+            <a:off x="8225561" y="997825"/>
+            <a:ext cx="2018754" cy="392558"/>
+          </a:xfrm>
+          <a:prstGeom prst="rect">
+            <a:avLst/>
+          </a:prstGeom>
+        </p:spPr>
+        <p:txBody>
+          <a:bodyPr vert="horz" lIns="91440" tIns="45720" rIns="91440" bIns="45720" rtlCol="0">
+            <a:noAutofit/>
+          </a:bodyPr>
+          <a:lstStyle>
+            <a:lvl1pPr marL="0" indent="0" algn="ctr" defTabSz="914400" rtl="0" eaLnBrk="1" latinLnBrk="0" hangingPunct="1">
+              <a:lnSpc>
+                <a:spcPct val="90000"/>
+              </a:lnSpc>
+              <a:spcBef>
+                <a:spcPts val="1000"/>
+              </a:spcBef>
+              <a:buFont typeface="Arial" panose="020B0604020202020204" pitchFamily="34" charset="0"/>
+              <a:buNone/>
+              <a:defRPr sz="2400" kern="1200">
+                <a:solidFill>
+                  <a:schemeClr val="tx1"/>
+                </a:solidFill>
+                <a:latin typeface="+mn-lt"/>
+                <a:ea typeface="+mn-ea"/>
+                <a:cs typeface="+mn-cs"/>
+              </a:defRPr>
+            </a:lvl1pPr>
+            <a:lvl2pPr marL="457200" indent="0" algn="ctr" defTabSz="914400" rtl="0" eaLnBrk="1" latinLnBrk="0" hangingPunct="1">
+              <a:lnSpc>
+                <a:spcPct val="90000"/>
+              </a:lnSpc>
+              <a:spcBef>
+                <a:spcPts val="500"/>
+              </a:spcBef>
+              <a:buFont typeface="Arial" panose="020B0604020202020204" pitchFamily="34" charset="0"/>
+              <a:buNone/>
+              <a:defRPr sz="2000" kern="1200">
+                <a:solidFill>
+                  <a:schemeClr val="tx1"/>
+                </a:solidFill>
+                <a:latin typeface="+mn-lt"/>
+                <a:ea typeface="+mn-ea"/>
+                <a:cs typeface="+mn-cs"/>
+              </a:defRPr>
+            </a:lvl2pPr>
+            <a:lvl3pPr marL="914400" indent="0" algn="ctr" defTabSz="914400" rtl="0" eaLnBrk="1" latinLnBrk="0" hangingPunct="1">
+              <a:lnSpc>
+                <a:spcPct val="90000"/>
+              </a:lnSpc>
+              <a:spcBef>
+                <a:spcPts val="500"/>
+              </a:spcBef>
+              <a:buFont typeface="Arial" panose="020B0604020202020204" pitchFamily="34" charset="0"/>
+              <a:buNone/>
+              <a:defRPr sz="1800" kern="1200">
+                <a:solidFill>
+                  <a:schemeClr val="tx1"/>
+                </a:solidFill>
+                <a:latin typeface="+mn-lt"/>
+                <a:ea typeface="+mn-ea"/>
+                <a:cs typeface="+mn-cs"/>
+              </a:defRPr>
+            </a:lvl3pPr>
+            <a:lvl4pPr marL="1371600" indent="0" algn="ctr" defTabSz="914400" rtl="0" eaLnBrk="1" latinLnBrk="0" hangingPunct="1">
+              <a:lnSpc>
+                <a:spcPct val="90000"/>
+              </a:lnSpc>
+              <a:spcBef>
+                <a:spcPts val="500"/>
+              </a:spcBef>
+              <a:buFont typeface="Arial" panose="020B0604020202020204" pitchFamily="34" charset="0"/>
+              <a:buNone/>
+              <a:defRPr sz="1600" kern="1200">
+                <a:solidFill>
+                  <a:schemeClr val="tx1"/>
+                </a:solidFill>
+                <a:latin typeface="+mn-lt"/>
+                <a:ea typeface="+mn-ea"/>
+                <a:cs typeface="+mn-cs"/>
+              </a:defRPr>
+            </a:lvl4pPr>
+            <a:lvl5pPr marL="1828800" indent="0" algn="ctr" defTabSz="914400" rtl="0" eaLnBrk="1" latinLnBrk="0" hangingPunct="1">
+              <a:lnSpc>
+                <a:spcPct val="90000"/>
+              </a:lnSpc>
+              <a:spcBef>
+                <a:spcPts val="500"/>
+              </a:spcBef>
+              <a:buFont typeface="Arial" panose="020B0604020202020204" pitchFamily="34" charset="0"/>
+              <a:buNone/>
+              <a:defRPr sz="1600" kern="1200">
+                <a:solidFill>
+                  <a:schemeClr val="tx1"/>
+                </a:solidFill>
+                <a:latin typeface="+mn-lt"/>
+                <a:ea typeface="+mn-ea"/>
+                <a:cs typeface="+mn-cs"/>
+              </a:defRPr>
+            </a:lvl5pPr>
+            <a:lvl6pPr marL="2286000" indent="0" algn="ctr" defTabSz="914400" rtl="0" eaLnBrk="1" latinLnBrk="0" hangingPunct="1">
+              <a:lnSpc>
+                <a:spcPct val="90000"/>
+              </a:lnSpc>
+              <a:spcBef>
+                <a:spcPts val="500"/>
+              </a:spcBef>
+              <a:buFont typeface="Arial" panose="020B0604020202020204" pitchFamily="34" charset="0"/>
+              <a:buNone/>
+              <a:defRPr sz="1600" kern="1200">
+                <a:solidFill>
+                  <a:schemeClr val="tx1"/>
+                </a:solidFill>
+                <a:latin typeface="+mn-lt"/>
+                <a:ea typeface="+mn-ea"/>
+                <a:cs typeface="+mn-cs"/>
+              </a:defRPr>
+            </a:lvl6pPr>
+            <a:lvl7pPr marL="2743200" indent="0" algn="ctr" defTabSz="914400" rtl="0" eaLnBrk="1" latinLnBrk="0" hangingPunct="1">
+              <a:lnSpc>
+                <a:spcPct val="90000"/>
+              </a:lnSpc>
+              <a:spcBef>
+                <a:spcPts val="500"/>
+              </a:spcBef>
+              <a:buFont typeface="Arial" panose="020B0604020202020204" pitchFamily="34" charset="0"/>
+              <a:buNone/>
+              <a:defRPr sz="1600" kern="1200">
+                <a:solidFill>
+                  <a:schemeClr val="tx1"/>
+                </a:solidFill>
+                <a:latin typeface="+mn-lt"/>
+                <a:ea typeface="+mn-ea"/>
+                <a:cs typeface="+mn-cs"/>
+              </a:defRPr>
+            </a:lvl7pPr>
+            <a:lvl8pPr marL="3200400" indent="0" algn="ctr" defTabSz="914400" rtl="0" eaLnBrk="1" latinLnBrk="0" hangingPunct="1">
+              <a:lnSpc>
+                <a:spcPct val="90000"/>
+              </a:lnSpc>
+              <a:spcBef>
+                <a:spcPts val="500"/>
+              </a:spcBef>
+              <a:buFont typeface="Arial" panose="020B0604020202020204" pitchFamily="34" charset="0"/>
+              <a:buNone/>
+              <a:defRPr sz="1600" kern="1200">
+                <a:solidFill>
+                  <a:schemeClr val="tx1"/>
+                </a:solidFill>
+                <a:latin typeface="+mn-lt"/>
+                <a:ea typeface="+mn-ea"/>
+                <a:cs typeface="+mn-cs"/>
+              </a:defRPr>
+            </a:lvl8pPr>
+            <a:lvl9pPr marL="3657600" indent="0" algn="ctr" defTabSz="914400" rtl="0" eaLnBrk="1" latinLnBrk="0" hangingPunct="1">
+              <a:lnSpc>
+                <a:spcPct val="90000"/>
+              </a:lnSpc>
+              <a:spcBef>
+                <a:spcPts val="500"/>
+              </a:spcBef>
+              <a:buFont typeface="Arial" panose="020B0604020202020204" pitchFamily="34" charset="0"/>
+              <a:buNone/>
+              <a:defRPr sz="1600" kern="1200">
+                <a:solidFill>
+                  <a:schemeClr val="tx1"/>
+                </a:solidFill>
+                <a:latin typeface="+mn-lt"/>
+                <a:ea typeface="+mn-ea"/>
+                <a:cs typeface="+mn-cs"/>
+              </a:defRPr>
+            </a:lvl9pPr>
+          </a:lstStyle>
+          <a:p>
+            <a:pPr algn="l"/>
+            <a:r>
+              <a:rPr lang="en-US" sz="1200" b="1" dirty="0"/>
+              <a:t>Iteratively (interval basis)</a:t>
+            </a:r>
+            <a:endParaRPr lang="en-US" sz="1200" dirty="0"/>
+          </a:p>
+        </p:txBody>
+      </p:sp>
+      <p:cxnSp>
+        <p:nvCxnSpPr>
+          <p:cNvPr id="14" name="Straight Arrow Connector 13">
+            <a:extLst>
+              <a:ext uri="{FF2B5EF4-FFF2-40B4-BE49-F238E27FC236}">
+                <a16:creationId xmlns:a16="http://schemas.microsoft.com/office/drawing/2014/main" id="{82C6AB97-C2CE-4A64-B7E6-CA2C6A94B7B0}"/>
+              </a:ext>
+            </a:extLst>
+          </p:cNvPr>
+          <p:cNvCxnSpPr>
+            <a:cxnSpLocks/>
+          </p:cNvCxnSpPr>
+          <p:nvPr/>
+        </p:nvCxnSpPr>
+        <p:spPr>
+          <a:xfrm>
+            <a:off x="6096000" y="1519770"/>
+            <a:ext cx="0" cy="4798734"/>
+          </a:xfrm>
+          <a:prstGeom prst="straightConnector1">
+            <a:avLst/>
+          </a:prstGeom>
+          <a:ln>
+            <a:prstDash val="dash"/>
+            <a:headEnd type="none" w="med" len="med"/>
+            <a:tailEnd type="none" w="med" len="med"/>
+          </a:ln>
+        </p:spPr>
+        <p:style>
+          <a:lnRef idx="1">
+            <a:schemeClr val="accent1"/>
+          </a:lnRef>
+          <a:fillRef idx="0">
+            <a:schemeClr val="accent1"/>
+          </a:fillRef>
+          <a:effectRef idx="0">
+            <a:schemeClr val="accent1"/>
+          </a:effectRef>
+          <a:fontRef idx="minor">
+            <a:schemeClr val="tx1"/>
+          </a:fontRef>
+        </p:style>
+      </p:cxnSp>
+      <p:sp>
+        <p:nvSpPr>
+          <p:cNvPr id="16" name="Rectangle 15">
+            <a:extLst>
+              <a:ext uri="{FF2B5EF4-FFF2-40B4-BE49-F238E27FC236}">
+                <a16:creationId xmlns:a16="http://schemas.microsoft.com/office/drawing/2014/main" id="{DA3E2D43-DEB3-45EC-BB95-6EC8E5878CC6}"/>
+              </a:ext>
+            </a:extLst>
+          </p:cNvPr>
+          <p:cNvSpPr/>
+          <p:nvPr/>
+        </p:nvSpPr>
+        <p:spPr>
+          <a:xfrm>
+            <a:off x="10079736" y="2681334"/>
+            <a:ext cx="1404140" cy="658367"/>
+          </a:xfrm>
+          <a:prstGeom prst="rect">
+            <a:avLst/>
+          </a:prstGeom>
+        </p:spPr>
+        <p:style>
+          <a:lnRef idx="2">
+            <a:schemeClr val="dk1"/>
+          </a:lnRef>
+          <a:fillRef idx="1">
+            <a:schemeClr val="lt1"/>
+          </a:fillRef>
+          <a:effectRef idx="0">
+            <a:schemeClr val="dk1"/>
+          </a:effectRef>
+          <a:fontRef idx="minor">
+            <a:schemeClr val="dk1"/>
+          </a:fontRef>
+        </p:style>
+        <p:txBody>
+          <a:bodyPr rtlCol="0" anchor="ctr"/>
+          <a:lstStyle/>
+          <a:p>
+            <a:pPr algn="ctr"/>
+            <a:r>
+              <a:rPr lang="en-SG" sz="1200" dirty="0"/>
+              <a:t>VWAP Retest</a:t>
+            </a:r>
+          </a:p>
+        </p:txBody>
+      </p:sp>
+      <p:sp>
+        <p:nvSpPr>
+          <p:cNvPr id="17" name="Diamond 16">
+            <a:extLst>
+              <a:ext uri="{FF2B5EF4-FFF2-40B4-BE49-F238E27FC236}">
+                <a16:creationId xmlns:a16="http://schemas.microsoft.com/office/drawing/2014/main" id="{1DEF0D67-CD48-49DC-ABF7-910C96575C04}"/>
+              </a:ext>
+            </a:extLst>
+          </p:cNvPr>
+          <p:cNvSpPr/>
+          <p:nvPr/>
+        </p:nvSpPr>
+        <p:spPr>
+          <a:xfrm>
+            <a:off x="6806685" y="4546710"/>
+            <a:ext cx="1404133" cy="1272714"/>
+          </a:xfrm>
+          <a:prstGeom prst="diamond">
+            <a:avLst/>
+          </a:prstGeom>
+        </p:spPr>
+        <p:style>
+          <a:lnRef idx="2">
+            <a:schemeClr val="dk1"/>
+          </a:lnRef>
+          <a:fillRef idx="1">
+            <a:schemeClr val="lt1"/>
+          </a:fillRef>
+          <a:effectRef idx="0">
+            <a:schemeClr val="dk1"/>
+          </a:effectRef>
+          <a:fontRef idx="minor">
+            <a:schemeClr val="dk1"/>
+          </a:fontRef>
+        </p:style>
+        <p:txBody>
+          <a:bodyPr rtlCol="0" anchor="ctr"/>
+          <a:lstStyle/>
+          <a:p>
+            <a:pPr algn="ctr"/>
+            <a:r>
+              <a:rPr lang="en-SG" sz="1100" dirty="0"/>
+              <a:t>For ticker_</a:t>
+            </a:r>
+            <a:br>
+              <a:rPr lang="en-SG" sz="1100" dirty="0"/>
+            </a:br>
+            <a:r>
+              <a:rPr lang="en-SG" sz="1100" dirty="0"/>
+              <a:t>symbol in watchlist</a:t>
+            </a:r>
+          </a:p>
+        </p:txBody>
+      </p:sp>
+      <p:sp>
+        <p:nvSpPr>
+          <p:cNvPr id="18" name="Rectangle 17">
+            <a:extLst>
+              <a:ext uri="{FF2B5EF4-FFF2-40B4-BE49-F238E27FC236}">
+                <a16:creationId xmlns:a16="http://schemas.microsoft.com/office/drawing/2014/main" id="{5BC86C4F-7E30-4D44-8A78-F846B172DF6C}"/>
+              </a:ext>
+            </a:extLst>
+          </p:cNvPr>
+          <p:cNvSpPr/>
+          <p:nvPr/>
+        </p:nvSpPr>
+        <p:spPr>
+          <a:xfrm>
+            <a:off x="10079736" y="3747542"/>
+            <a:ext cx="1404140" cy="658367"/>
+          </a:xfrm>
+          <a:prstGeom prst="rect">
+            <a:avLst/>
+          </a:prstGeom>
+        </p:spPr>
+        <p:style>
+          <a:lnRef idx="2">
+            <a:schemeClr val="dk1"/>
+          </a:lnRef>
+          <a:fillRef idx="1">
+            <a:schemeClr val="lt1"/>
+          </a:fillRef>
+          <a:effectRef idx="0">
+            <a:schemeClr val="dk1"/>
+          </a:effectRef>
+          <a:fontRef idx="minor">
+            <a:schemeClr val="dk1"/>
+          </a:fontRef>
+        </p:style>
+        <p:txBody>
+          <a:bodyPr rtlCol="0" anchor="ctr"/>
+          <a:lstStyle/>
+          <a:p>
+            <a:pPr algn="ctr"/>
+            <a:r>
+              <a:rPr lang="en-SG" sz="1200" dirty="0"/>
+              <a:t>EMA9 + VWAP Crossover</a:t>
+            </a:r>
+          </a:p>
+        </p:txBody>
+      </p:sp>
+      <p:sp>
+        <p:nvSpPr>
+          <p:cNvPr id="19" name="Rectangle 18">
+            <a:extLst>
+              <a:ext uri="{FF2B5EF4-FFF2-40B4-BE49-F238E27FC236}">
+                <a16:creationId xmlns:a16="http://schemas.microsoft.com/office/drawing/2014/main" id="{E3BA8E6D-BE8A-46F6-B401-8BD07C6710E9}"/>
+              </a:ext>
+            </a:extLst>
+          </p:cNvPr>
+          <p:cNvSpPr/>
+          <p:nvPr/>
+        </p:nvSpPr>
+        <p:spPr>
+          <a:xfrm>
+            <a:off x="10079736" y="4852191"/>
+            <a:ext cx="1404140" cy="658367"/>
+          </a:xfrm>
+          <a:prstGeom prst="rect">
+            <a:avLst/>
+          </a:prstGeom>
+        </p:spPr>
+        <p:style>
+          <a:lnRef idx="2">
+            <a:schemeClr val="dk1"/>
+          </a:lnRef>
+          <a:fillRef idx="1">
+            <a:schemeClr val="lt1"/>
+          </a:fillRef>
+          <a:effectRef idx="0">
+            <a:schemeClr val="dk1"/>
+          </a:effectRef>
+          <a:fontRef idx="minor">
+            <a:schemeClr val="dk1"/>
+          </a:fontRef>
+        </p:style>
+        <p:txBody>
+          <a:bodyPr rtlCol="0" anchor="ctr"/>
+          <a:lstStyle/>
+          <a:p>
+            <a:pPr algn="ctr"/>
+            <a:r>
+              <a:rPr lang="en-SG" sz="1200" dirty="0"/>
+              <a:t>Triple EMA</a:t>
+            </a:r>
+          </a:p>
+        </p:txBody>
+      </p:sp>
+      <p:cxnSp>
+        <p:nvCxnSpPr>
+          <p:cNvPr id="20" name="Straight Arrow Connector 19">
+            <a:extLst>
+              <a:ext uri="{FF2B5EF4-FFF2-40B4-BE49-F238E27FC236}">
+                <a16:creationId xmlns:a16="http://schemas.microsoft.com/office/drawing/2014/main" id="{CBBC393B-370B-4085-B430-D5910B63F588}"/>
+              </a:ext>
+            </a:extLst>
+          </p:cNvPr>
+          <p:cNvCxnSpPr>
+            <a:cxnSpLocks/>
+            <a:stCxn id="17" idx="3"/>
+            <a:endCxn id="19" idx="1"/>
+          </p:cNvCxnSpPr>
+          <p:nvPr/>
+        </p:nvCxnSpPr>
+        <p:spPr>
+          <a:xfrm flipV="1">
+            <a:off x="8210818" y="5181375"/>
+            <a:ext cx="1868918" cy="1692"/>
+          </a:xfrm>
+          <a:prstGeom prst="straightConnector1">
+            <a:avLst/>
+          </a:prstGeom>
+          <a:ln>
+            <a:tailEnd type="triangle"/>
+          </a:ln>
+        </p:spPr>
+        <p:style>
+          <a:lnRef idx="1">
+            <a:schemeClr val="accent1"/>
+          </a:lnRef>
+          <a:fillRef idx="0">
+            <a:schemeClr val="accent1"/>
+          </a:fillRef>
+          <a:effectRef idx="0">
+            <a:schemeClr val="accent1"/>
+          </a:effectRef>
+          <a:fontRef idx="minor">
+            <a:schemeClr val="tx1"/>
+          </a:fontRef>
+        </p:style>
+      </p:cxnSp>
+      <p:sp>
+        <p:nvSpPr>
+          <p:cNvPr id="23" name="Rectangle 22">
+            <a:extLst>
+              <a:ext uri="{FF2B5EF4-FFF2-40B4-BE49-F238E27FC236}">
+                <a16:creationId xmlns:a16="http://schemas.microsoft.com/office/drawing/2014/main" id="{133F09B5-9546-4311-A430-F314A80CE676}"/>
+              </a:ext>
+            </a:extLst>
+          </p:cNvPr>
+          <p:cNvSpPr/>
+          <p:nvPr/>
+        </p:nvSpPr>
+        <p:spPr>
+          <a:xfrm>
+            <a:off x="6617211" y="2675399"/>
+            <a:ext cx="1783080" cy="658367"/>
+          </a:xfrm>
+          <a:prstGeom prst="rect">
+            <a:avLst/>
+          </a:prstGeom>
+        </p:spPr>
+        <p:style>
+          <a:lnRef idx="2">
+            <a:schemeClr val="dk1"/>
+          </a:lnRef>
+          <a:fillRef idx="1">
+            <a:schemeClr val="lt1"/>
+          </a:fillRef>
+          <a:effectRef idx="0">
+            <a:schemeClr val="dk1"/>
+          </a:effectRef>
+          <a:fontRef idx="minor">
+            <a:schemeClr val="dk1"/>
+          </a:fontRef>
+        </p:style>
+        <p:txBody>
+          <a:bodyPr rtlCol="0" anchor="ctr"/>
+          <a:lstStyle/>
+          <a:p>
+            <a:pPr algn="ctr"/>
+            <a:r>
+              <a:rPr lang="en-SG" sz="1200" dirty="0"/>
+              <a:t>Dictionary of tickers + </a:t>
+            </a:r>
+            <a:r>
+              <a:rPr lang="en-SG" sz="1200" dirty="0" err="1"/>
+              <a:t>dataframes</a:t>
+            </a:r>
+            <a:endParaRPr lang="en-SG" sz="1200" dirty="0"/>
+          </a:p>
+        </p:txBody>
+      </p:sp>
+      <p:cxnSp>
+        <p:nvCxnSpPr>
+          <p:cNvPr id="24" name="Straight Arrow Connector 23">
+            <a:extLst>
+              <a:ext uri="{FF2B5EF4-FFF2-40B4-BE49-F238E27FC236}">
+                <a16:creationId xmlns:a16="http://schemas.microsoft.com/office/drawing/2014/main" id="{37993961-F591-4078-A9F5-AAC0FC50B0E9}"/>
+              </a:ext>
+            </a:extLst>
+          </p:cNvPr>
+          <p:cNvCxnSpPr>
+            <a:cxnSpLocks/>
+            <a:stCxn id="23" idx="2"/>
+            <a:endCxn id="17" idx="0"/>
+          </p:cNvCxnSpPr>
+          <p:nvPr/>
+        </p:nvCxnSpPr>
+        <p:spPr>
+          <a:xfrm>
+            <a:off x="7508751" y="3333766"/>
+            <a:ext cx="1" cy="1212944"/>
+          </a:xfrm>
+          <a:prstGeom prst="straightConnector1">
+            <a:avLst/>
+          </a:prstGeom>
+          <a:ln>
+            <a:tailEnd type="triangle"/>
+          </a:ln>
+        </p:spPr>
+        <p:style>
+          <a:lnRef idx="1">
+            <a:schemeClr val="accent1"/>
+          </a:lnRef>
+          <a:fillRef idx="0">
+            <a:schemeClr val="accent1"/>
+          </a:fillRef>
+          <a:effectRef idx="0">
+            <a:schemeClr val="accent1"/>
+          </a:effectRef>
+          <a:fontRef idx="minor">
+            <a:schemeClr val="tx1"/>
+          </a:fontRef>
+        </p:style>
+      </p:cxnSp>
+      <p:cxnSp>
+        <p:nvCxnSpPr>
+          <p:cNvPr id="27" name="Straight Arrow Connector 26">
+            <a:extLst>
+              <a:ext uri="{FF2B5EF4-FFF2-40B4-BE49-F238E27FC236}">
+                <a16:creationId xmlns:a16="http://schemas.microsoft.com/office/drawing/2014/main" id="{0A80A493-8AA3-458C-AC77-EE973DB19F8F}"/>
+              </a:ext>
+            </a:extLst>
+          </p:cNvPr>
+          <p:cNvCxnSpPr>
+            <a:cxnSpLocks/>
+            <a:endCxn id="18" idx="2"/>
+          </p:cNvCxnSpPr>
+          <p:nvPr/>
+        </p:nvCxnSpPr>
+        <p:spPr>
+          <a:xfrm flipV="1">
+            <a:off x="10781806" y="4405909"/>
+            <a:ext cx="0" cy="446282"/>
+          </a:xfrm>
+          <a:prstGeom prst="straightConnector1">
+            <a:avLst/>
+          </a:prstGeom>
+          <a:ln>
+            <a:tailEnd type="triangle"/>
+          </a:ln>
+        </p:spPr>
+        <p:style>
+          <a:lnRef idx="1">
+            <a:schemeClr val="accent1"/>
+          </a:lnRef>
+          <a:fillRef idx="0">
+            <a:schemeClr val="accent1"/>
+          </a:fillRef>
+          <a:effectRef idx="0">
+            <a:schemeClr val="accent1"/>
+          </a:effectRef>
+          <a:fontRef idx="minor">
+            <a:schemeClr val="tx1"/>
+          </a:fontRef>
+        </p:style>
+      </p:cxnSp>
+      <p:cxnSp>
+        <p:nvCxnSpPr>
+          <p:cNvPr id="30" name="Straight Arrow Connector 29">
+            <a:extLst>
+              <a:ext uri="{FF2B5EF4-FFF2-40B4-BE49-F238E27FC236}">
+                <a16:creationId xmlns:a16="http://schemas.microsoft.com/office/drawing/2014/main" id="{8706BFB5-3BA8-48C0-9BF9-B1A2D56ACF2B}"/>
+              </a:ext>
+            </a:extLst>
+          </p:cNvPr>
+          <p:cNvCxnSpPr>
+            <a:cxnSpLocks/>
+            <a:stCxn id="18" idx="0"/>
+          </p:cNvCxnSpPr>
+          <p:nvPr/>
+        </p:nvCxnSpPr>
+        <p:spPr>
+          <a:xfrm flipV="1">
+            <a:off x="10781806" y="3339702"/>
+            <a:ext cx="0" cy="407840"/>
+          </a:xfrm>
+          <a:prstGeom prst="straightConnector1">
+            <a:avLst/>
+          </a:prstGeom>
+          <a:ln>
+            <a:tailEnd type="triangle"/>
+          </a:ln>
+        </p:spPr>
+        <p:style>
+          <a:lnRef idx="1">
+            <a:schemeClr val="accent1"/>
+          </a:lnRef>
+          <a:fillRef idx="0">
+            <a:schemeClr val="accent1"/>
+          </a:fillRef>
+          <a:effectRef idx="0">
+            <a:schemeClr val="accent1"/>
+          </a:effectRef>
+          <a:fontRef idx="minor">
+            <a:schemeClr val="tx1"/>
+          </a:fontRef>
+        </p:style>
+      </p:cxnSp>
+      <p:cxnSp>
+        <p:nvCxnSpPr>
+          <p:cNvPr id="33" name="Straight Arrow Connector 32">
+            <a:extLst>
+              <a:ext uri="{FF2B5EF4-FFF2-40B4-BE49-F238E27FC236}">
+                <a16:creationId xmlns:a16="http://schemas.microsoft.com/office/drawing/2014/main" id="{6931A36A-F3EA-4CED-B69A-89FF32C9ACA3}"/>
+              </a:ext>
+            </a:extLst>
+          </p:cNvPr>
+          <p:cNvCxnSpPr>
+            <a:cxnSpLocks/>
+            <a:stCxn id="16" idx="1"/>
+            <a:endCxn id="23" idx="3"/>
+          </p:cNvCxnSpPr>
+          <p:nvPr/>
+        </p:nvCxnSpPr>
+        <p:spPr>
+          <a:xfrm flipH="1" flipV="1">
+            <a:off x="8400291" y="3004583"/>
+            <a:ext cx="1679445" cy="5935"/>
+          </a:xfrm>
+          <a:prstGeom prst="straightConnector1">
+            <a:avLst/>
+          </a:prstGeom>
+          <a:ln>
+            <a:tailEnd type="triangle"/>
+          </a:ln>
+        </p:spPr>
+        <p:style>
+          <a:lnRef idx="1">
+            <a:schemeClr val="accent1"/>
+          </a:lnRef>
+          <a:fillRef idx="0">
+            <a:schemeClr val="accent1"/>
+          </a:fillRef>
+          <a:effectRef idx="0">
+            <a:schemeClr val="accent1"/>
+          </a:effectRef>
+          <a:fontRef idx="minor">
+            <a:schemeClr val="tx1"/>
+          </a:fontRef>
+        </p:style>
+      </p:cxnSp>
+      <p:sp>
+        <p:nvSpPr>
+          <p:cNvPr id="36" name="Subtitle 2">
+            <a:extLst>
+              <a:ext uri="{FF2B5EF4-FFF2-40B4-BE49-F238E27FC236}">
+                <a16:creationId xmlns:a16="http://schemas.microsoft.com/office/drawing/2014/main" id="{26C9E0CE-D962-460D-AEFE-88765186EAAB}"/>
+              </a:ext>
+            </a:extLst>
+          </p:cNvPr>
+          <p:cNvSpPr txBox="1">
+            <a:spLocks/>
+          </p:cNvSpPr>
+          <p:nvPr/>
+        </p:nvSpPr>
+        <p:spPr>
+          <a:xfrm>
+            <a:off x="8693382" y="3050178"/>
+            <a:ext cx="1404140" cy="392558"/>
+          </a:xfrm>
+          <a:prstGeom prst="rect">
+            <a:avLst/>
+          </a:prstGeom>
+        </p:spPr>
+        <p:txBody>
+          <a:bodyPr vert="horz" lIns="91440" tIns="45720" rIns="91440" bIns="45720" rtlCol="0">
+            <a:noAutofit/>
+          </a:bodyPr>
+          <a:lstStyle>
+            <a:lvl1pPr marL="0" indent="0" algn="ctr" defTabSz="914400" rtl="0" eaLnBrk="1" latinLnBrk="0" hangingPunct="1">
+              <a:lnSpc>
+                <a:spcPct val="90000"/>
+              </a:lnSpc>
+              <a:spcBef>
+                <a:spcPts val="1000"/>
+              </a:spcBef>
+              <a:buFont typeface="Arial" panose="020B0604020202020204" pitchFamily="34" charset="0"/>
+              <a:buNone/>
+              <a:defRPr sz="2400" kern="1200">
+                <a:solidFill>
+                  <a:schemeClr val="tx1"/>
+                </a:solidFill>
+                <a:latin typeface="+mn-lt"/>
+                <a:ea typeface="+mn-ea"/>
+                <a:cs typeface="+mn-cs"/>
+              </a:defRPr>
+            </a:lvl1pPr>
+            <a:lvl2pPr marL="457200" indent="0" algn="ctr" defTabSz="914400" rtl="0" eaLnBrk="1" latinLnBrk="0" hangingPunct="1">
+              <a:lnSpc>
+                <a:spcPct val="90000"/>
+              </a:lnSpc>
+              <a:spcBef>
+                <a:spcPts val="500"/>
+              </a:spcBef>
+              <a:buFont typeface="Arial" panose="020B0604020202020204" pitchFamily="34" charset="0"/>
+              <a:buNone/>
+              <a:defRPr sz="2000" kern="1200">
+                <a:solidFill>
+                  <a:schemeClr val="tx1"/>
+                </a:solidFill>
+                <a:latin typeface="+mn-lt"/>
+                <a:ea typeface="+mn-ea"/>
+                <a:cs typeface="+mn-cs"/>
+              </a:defRPr>
+            </a:lvl2pPr>
+            <a:lvl3pPr marL="914400" indent="0" algn="ctr" defTabSz="914400" rtl="0" eaLnBrk="1" latinLnBrk="0" hangingPunct="1">
+              <a:lnSpc>
+                <a:spcPct val="90000"/>
+              </a:lnSpc>
+              <a:spcBef>
+                <a:spcPts val="500"/>
+              </a:spcBef>
+              <a:buFont typeface="Arial" panose="020B0604020202020204" pitchFamily="34" charset="0"/>
+              <a:buNone/>
+              <a:defRPr sz="1800" kern="1200">
+                <a:solidFill>
+                  <a:schemeClr val="tx1"/>
+                </a:solidFill>
+                <a:latin typeface="+mn-lt"/>
+                <a:ea typeface="+mn-ea"/>
+                <a:cs typeface="+mn-cs"/>
+              </a:defRPr>
+            </a:lvl3pPr>
+            <a:lvl4pPr marL="1371600" indent="0" algn="ctr" defTabSz="914400" rtl="0" eaLnBrk="1" latinLnBrk="0" hangingPunct="1">
+              <a:lnSpc>
+                <a:spcPct val="90000"/>
+              </a:lnSpc>
+              <a:spcBef>
+                <a:spcPts val="500"/>
+              </a:spcBef>
+              <a:buFont typeface="Arial" panose="020B0604020202020204" pitchFamily="34" charset="0"/>
+              <a:buNone/>
+              <a:defRPr sz="1600" kern="1200">
+                <a:solidFill>
+                  <a:schemeClr val="tx1"/>
+                </a:solidFill>
+                <a:latin typeface="+mn-lt"/>
+                <a:ea typeface="+mn-ea"/>
+                <a:cs typeface="+mn-cs"/>
+              </a:defRPr>
+            </a:lvl4pPr>
+            <a:lvl5pPr marL="1828800" indent="0" algn="ctr" defTabSz="914400" rtl="0" eaLnBrk="1" latinLnBrk="0" hangingPunct="1">
+              <a:lnSpc>
+                <a:spcPct val="90000"/>
+              </a:lnSpc>
+              <a:spcBef>
+                <a:spcPts val="500"/>
+              </a:spcBef>
+              <a:buFont typeface="Arial" panose="020B0604020202020204" pitchFamily="34" charset="0"/>
+              <a:buNone/>
+              <a:defRPr sz="1600" kern="1200">
+                <a:solidFill>
+                  <a:schemeClr val="tx1"/>
+                </a:solidFill>
+                <a:latin typeface="+mn-lt"/>
+                <a:ea typeface="+mn-ea"/>
+                <a:cs typeface="+mn-cs"/>
+              </a:defRPr>
+            </a:lvl5pPr>
+            <a:lvl6pPr marL="2286000" indent="0" algn="ctr" defTabSz="914400" rtl="0" eaLnBrk="1" latinLnBrk="0" hangingPunct="1">
+              <a:lnSpc>
+                <a:spcPct val="90000"/>
+              </a:lnSpc>
+              <a:spcBef>
+                <a:spcPts val="500"/>
+              </a:spcBef>
+              <a:buFont typeface="Arial" panose="020B0604020202020204" pitchFamily="34" charset="0"/>
+              <a:buNone/>
+              <a:defRPr sz="1600" kern="1200">
+                <a:solidFill>
+                  <a:schemeClr val="tx1"/>
+                </a:solidFill>
+                <a:latin typeface="+mn-lt"/>
+                <a:ea typeface="+mn-ea"/>
+                <a:cs typeface="+mn-cs"/>
+              </a:defRPr>
+            </a:lvl6pPr>
+            <a:lvl7pPr marL="2743200" indent="0" algn="ctr" defTabSz="914400" rtl="0" eaLnBrk="1" latinLnBrk="0" hangingPunct="1">
+              <a:lnSpc>
+                <a:spcPct val="90000"/>
+              </a:lnSpc>
+              <a:spcBef>
+                <a:spcPts val="500"/>
+              </a:spcBef>
+              <a:buFont typeface="Arial" panose="020B0604020202020204" pitchFamily="34" charset="0"/>
+              <a:buNone/>
+              <a:defRPr sz="1600" kern="1200">
+                <a:solidFill>
+                  <a:schemeClr val="tx1"/>
+                </a:solidFill>
+                <a:latin typeface="+mn-lt"/>
+                <a:ea typeface="+mn-ea"/>
+                <a:cs typeface="+mn-cs"/>
+              </a:defRPr>
+            </a:lvl7pPr>
+            <a:lvl8pPr marL="3200400" indent="0" algn="ctr" defTabSz="914400" rtl="0" eaLnBrk="1" latinLnBrk="0" hangingPunct="1">
+              <a:lnSpc>
+                <a:spcPct val="90000"/>
+              </a:lnSpc>
+              <a:spcBef>
+                <a:spcPts val="500"/>
+              </a:spcBef>
+              <a:buFont typeface="Arial" panose="020B0604020202020204" pitchFamily="34" charset="0"/>
+              <a:buNone/>
+              <a:defRPr sz="1600" kern="1200">
+                <a:solidFill>
+                  <a:schemeClr val="tx1"/>
+                </a:solidFill>
+                <a:latin typeface="+mn-lt"/>
+                <a:ea typeface="+mn-ea"/>
+                <a:cs typeface="+mn-cs"/>
+              </a:defRPr>
+            </a:lvl8pPr>
+            <a:lvl9pPr marL="3657600" indent="0" algn="ctr" defTabSz="914400" rtl="0" eaLnBrk="1" latinLnBrk="0" hangingPunct="1">
+              <a:lnSpc>
+                <a:spcPct val="90000"/>
+              </a:lnSpc>
+              <a:spcBef>
+                <a:spcPts val="500"/>
+              </a:spcBef>
+              <a:buFont typeface="Arial" panose="020B0604020202020204" pitchFamily="34" charset="0"/>
+              <a:buNone/>
+              <a:defRPr sz="1600" kern="1200">
+                <a:solidFill>
+                  <a:schemeClr val="tx1"/>
+                </a:solidFill>
+                <a:latin typeface="+mn-lt"/>
+                <a:ea typeface="+mn-ea"/>
+                <a:cs typeface="+mn-cs"/>
+              </a:defRPr>
+            </a:lvl9pPr>
+          </a:lstStyle>
+          <a:p>
+            <a:pPr algn="l"/>
+            <a:r>
+              <a:rPr lang="en-US" sz="1200" b="1" dirty="0"/>
+              <a:t>Save </a:t>
+            </a:r>
+            <a:r>
+              <a:rPr lang="en-US" sz="1200" b="1" dirty="0" err="1"/>
+              <a:t>result_df</a:t>
+            </a:r>
+            <a:r>
+              <a:rPr lang="en-US" sz="1200" b="1" dirty="0"/>
+              <a:t> to dictionary</a:t>
+            </a:r>
+          </a:p>
+          <a:p>
+            <a:pPr algn="l"/>
+            <a:endParaRPr lang="en-US" sz="1200" dirty="0"/>
+          </a:p>
+        </p:txBody>
+      </p:sp>
+      <p:sp>
+        <p:nvSpPr>
+          <p:cNvPr id="37" name="Subtitle 2">
+            <a:extLst>
+              <a:ext uri="{FF2B5EF4-FFF2-40B4-BE49-F238E27FC236}">
+                <a16:creationId xmlns:a16="http://schemas.microsoft.com/office/drawing/2014/main" id="{A82CFECE-D758-4A32-A343-438A5FB58F92}"/>
+              </a:ext>
+            </a:extLst>
+          </p:cNvPr>
+          <p:cNvSpPr txBox="1">
+            <a:spLocks/>
+          </p:cNvSpPr>
+          <p:nvPr/>
+        </p:nvSpPr>
+        <p:spPr>
+          <a:xfrm>
+            <a:off x="8378958" y="4754162"/>
+            <a:ext cx="1404140" cy="392558"/>
+          </a:xfrm>
+          <a:prstGeom prst="rect">
+            <a:avLst/>
+          </a:prstGeom>
+        </p:spPr>
+        <p:txBody>
+          <a:bodyPr vert="horz" lIns="91440" tIns="45720" rIns="91440" bIns="45720" rtlCol="0">
+            <a:noAutofit/>
+          </a:bodyPr>
+          <a:lstStyle>
+            <a:lvl1pPr marL="0" indent="0" algn="ctr" defTabSz="914400" rtl="0" eaLnBrk="1" latinLnBrk="0" hangingPunct="1">
+              <a:lnSpc>
+                <a:spcPct val="90000"/>
+              </a:lnSpc>
+              <a:spcBef>
+                <a:spcPts val="1000"/>
+              </a:spcBef>
+              <a:buFont typeface="Arial" panose="020B0604020202020204" pitchFamily="34" charset="0"/>
+              <a:buNone/>
+              <a:defRPr sz="2400" kern="1200">
+                <a:solidFill>
+                  <a:schemeClr val="tx1"/>
+                </a:solidFill>
+                <a:latin typeface="+mn-lt"/>
+                <a:ea typeface="+mn-ea"/>
+                <a:cs typeface="+mn-cs"/>
+              </a:defRPr>
+            </a:lvl1pPr>
+            <a:lvl2pPr marL="457200" indent="0" algn="ctr" defTabSz="914400" rtl="0" eaLnBrk="1" latinLnBrk="0" hangingPunct="1">
+              <a:lnSpc>
+                <a:spcPct val="90000"/>
+              </a:lnSpc>
+              <a:spcBef>
+                <a:spcPts val="500"/>
+              </a:spcBef>
+              <a:buFont typeface="Arial" panose="020B0604020202020204" pitchFamily="34" charset="0"/>
+              <a:buNone/>
+              <a:defRPr sz="2000" kern="1200">
+                <a:solidFill>
+                  <a:schemeClr val="tx1"/>
+                </a:solidFill>
+                <a:latin typeface="+mn-lt"/>
+                <a:ea typeface="+mn-ea"/>
+                <a:cs typeface="+mn-cs"/>
+              </a:defRPr>
+            </a:lvl2pPr>
+            <a:lvl3pPr marL="914400" indent="0" algn="ctr" defTabSz="914400" rtl="0" eaLnBrk="1" latinLnBrk="0" hangingPunct="1">
+              <a:lnSpc>
+                <a:spcPct val="90000"/>
+              </a:lnSpc>
+              <a:spcBef>
+                <a:spcPts val="500"/>
+              </a:spcBef>
+              <a:buFont typeface="Arial" panose="020B0604020202020204" pitchFamily="34" charset="0"/>
+              <a:buNone/>
+              <a:defRPr sz="1800" kern="1200">
+                <a:solidFill>
+                  <a:schemeClr val="tx1"/>
+                </a:solidFill>
+                <a:latin typeface="+mn-lt"/>
+                <a:ea typeface="+mn-ea"/>
+                <a:cs typeface="+mn-cs"/>
+              </a:defRPr>
+            </a:lvl3pPr>
+            <a:lvl4pPr marL="1371600" indent="0" algn="ctr" defTabSz="914400" rtl="0" eaLnBrk="1" latinLnBrk="0" hangingPunct="1">
+              <a:lnSpc>
+                <a:spcPct val="90000"/>
+              </a:lnSpc>
+              <a:spcBef>
+                <a:spcPts val="500"/>
+              </a:spcBef>
+              <a:buFont typeface="Arial" panose="020B0604020202020204" pitchFamily="34" charset="0"/>
+              <a:buNone/>
+              <a:defRPr sz="1600" kern="1200">
+                <a:solidFill>
+                  <a:schemeClr val="tx1"/>
+                </a:solidFill>
+                <a:latin typeface="+mn-lt"/>
+                <a:ea typeface="+mn-ea"/>
+                <a:cs typeface="+mn-cs"/>
+              </a:defRPr>
+            </a:lvl4pPr>
+            <a:lvl5pPr marL="1828800" indent="0" algn="ctr" defTabSz="914400" rtl="0" eaLnBrk="1" latinLnBrk="0" hangingPunct="1">
+              <a:lnSpc>
+                <a:spcPct val="90000"/>
+              </a:lnSpc>
+              <a:spcBef>
+                <a:spcPts val="500"/>
+              </a:spcBef>
+              <a:buFont typeface="Arial" panose="020B0604020202020204" pitchFamily="34" charset="0"/>
+              <a:buNone/>
+              <a:defRPr sz="1600" kern="1200">
+                <a:solidFill>
+                  <a:schemeClr val="tx1"/>
+                </a:solidFill>
+                <a:latin typeface="+mn-lt"/>
+                <a:ea typeface="+mn-ea"/>
+                <a:cs typeface="+mn-cs"/>
+              </a:defRPr>
+            </a:lvl5pPr>
+            <a:lvl6pPr marL="2286000" indent="0" algn="ctr" defTabSz="914400" rtl="0" eaLnBrk="1" latinLnBrk="0" hangingPunct="1">
+              <a:lnSpc>
+                <a:spcPct val="90000"/>
+              </a:lnSpc>
+              <a:spcBef>
+                <a:spcPts val="500"/>
+              </a:spcBef>
+              <a:buFont typeface="Arial" panose="020B0604020202020204" pitchFamily="34" charset="0"/>
+              <a:buNone/>
+              <a:defRPr sz="1600" kern="1200">
+                <a:solidFill>
+                  <a:schemeClr val="tx1"/>
+                </a:solidFill>
+                <a:latin typeface="+mn-lt"/>
+                <a:ea typeface="+mn-ea"/>
+                <a:cs typeface="+mn-cs"/>
+              </a:defRPr>
+            </a:lvl6pPr>
+            <a:lvl7pPr marL="2743200" indent="0" algn="ctr" defTabSz="914400" rtl="0" eaLnBrk="1" latinLnBrk="0" hangingPunct="1">
+              <a:lnSpc>
+                <a:spcPct val="90000"/>
+              </a:lnSpc>
+              <a:spcBef>
+                <a:spcPts val="500"/>
+              </a:spcBef>
+              <a:buFont typeface="Arial" panose="020B0604020202020204" pitchFamily="34" charset="0"/>
+              <a:buNone/>
+              <a:defRPr sz="1600" kern="1200">
+                <a:solidFill>
+                  <a:schemeClr val="tx1"/>
+                </a:solidFill>
+                <a:latin typeface="+mn-lt"/>
+                <a:ea typeface="+mn-ea"/>
+                <a:cs typeface="+mn-cs"/>
+              </a:defRPr>
+            </a:lvl7pPr>
+            <a:lvl8pPr marL="3200400" indent="0" algn="ctr" defTabSz="914400" rtl="0" eaLnBrk="1" latinLnBrk="0" hangingPunct="1">
+              <a:lnSpc>
+                <a:spcPct val="90000"/>
+              </a:lnSpc>
+              <a:spcBef>
+                <a:spcPts val="500"/>
+              </a:spcBef>
+              <a:buFont typeface="Arial" panose="020B0604020202020204" pitchFamily="34" charset="0"/>
+              <a:buNone/>
+              <a:defRPr sz="1600" kern="1200">
+                <a:solidFill>
+                  <a:schemeClr val="tx1"/>
+                </a:solidFill>
+                <a:latin typeface="+mn-lt"/>
+                <a:ea typeface="+mn-ea"/>
+                <a:cs typeface="+mn-cs"/>
+              </a:defRPr>
+            </a:lvl8pPr>
+            <a:lvl9pPr marL="3657600" indent="0" algn="ctr" defTabSz="914400" rtl="0" eaLnBrk="1" latinLnBrk="0" hangingPunct="1">
+              <a:lnSpc>
+                <a:spcPct val="90000"/>
+              </a:lnSpc>
+              <a:spcBef>
+                <a:spcPts val="500"/>
+              </a:spcBef>
+              <a:buFont typeface="Arial" panose="020B0604020202020204" pitchFamily="34" charset="0"/>
+              <a:buNone/>
+              <a:defRPr sz="1600" kern="1200">
+                <a:solidFill>
+                  <a:schemeClr val="tx1"/>
+                </a:solidFill>
+                <a:latin typeface="+mn-lt"/>
+                <a:ea typeface="+mn-ea"/>
+                <a:cs typeface="+mn-cs"/>
+              </a:defRPr>
+            </a:lvl9pPr>
+          </a:lstStyle>
+          <a:p>
+            <a:pPr algn="l"/>
+            <a:r>
+              <a:rPr lang="en-US" sz="1200" b="1" dirty="0"/>
+              <a:t>e.g. Ticker “MSFT"</a:t>
+            </a:r>
+          </a:p>
+          <a:p>
+            <a:pPr algn="l"/>
+            <a:endParaRPr lang="en-US" sz="1200" dirty="0"/>
+          </a:p>
+        </p:txBody>
+      </p:sp>
+      <p:sp>
+        <p:nvSpPr>
+          <p:cNvPr id="43" name="Rectangle 42">
+            <a:extLst>
+              <a:ext uri="{FF2B5EF4-FFF2-40B4-BE49-F238E27FC236}">
+                <a16:creationId xmlns:a16="http://schemas.microsoft.com/office/drawing/2014/main" id="{B3A3CF23-6DD8-49C7-AEA9-AA5C1B72C9A3}"/>
+              </a:ext>
+            </a:extLst>
+          </p:cNvPr>
+          <p:cNvSpPr/>
+          <p:nvPr/>
+        </p:nvSpPr>
+        <p:spPr>
+          <a:xfrm>
+            <a:off x="6624682" y="1937943"/>
+            <a:ext cx="1783080" cy="658367"/>
+          </a:xfrm>
+          <a:prstGeom prst="rect">
+            <a:avLst/>
+          </a:prstGeom>
+        </p:spPr>
+        <p:style>
+          <a:lnRef idx="2">
+            <a:schemeClr val="dk1"/>
+          </a:lnRef>
+          <a:fillRef idx="1">
+            <a:schemeClr val="lt1"/>
+          </a:fillRef>
+          <a:effectRef idx="0">
+            <a:schemeClr val="dk1"/>
+          </a:effectRef>
+          <a:fontRef idx="minor">
+            <a:schemeClr val="dk1"/>
+          </a:fontRef>
+        </p:style>
+        <p:txBody>
+          <a:bodyPr rtlCol="0" anchor="ctr"/>
+          <a:lstStyle/>
+          <a:p>
+            <a:pPr algn="ctr"/>
+            <a:r>
+              <a:rPr lang="en-SG" sz="1200" dirty="0"/>
+              <a:t>Dashboard</a:t>
+            </a:r>
+          </a:p>
+        </p:txBody>
+      </p:sp>
+      <p:cxnSp>
+        <p:nvCxnSpPr>
+          <p:cNvPr id="45" name="Connector: Elbow 44">
+            <a:extLst>
+              <a:ext uri="{FF2B5EF4-FFF2-40B4-BE49-F238E27FC236}">
+                <a16:creationId xmlns:a16="http://schemas.microsoft.com/office/drawing/2014/main" id="{ACC4A75C-8A6C-4EBE-B45C-171950E64F4E}"/>
+              </a:ext>
+            </a:extLst>
+          </p:cNvPr>
+          <p:cNvCxnSpPr>
+            <a:endCxn id="43" idx="3"/>
+          </p:cNvCxnSpPr>
+          <p:nvPr/>
+        </p:nvCxnSpPr>
+        <p:spPr>
+          <a:xfrm rot="10800000">
+            <a:off x="8407763" y="2267128"/>
+            <a:ext cx="737515" cy="737455"/>
+          </a:xfrm>
+          <a:prstGeom prst="bentConnector3">
+            <a:avLst>
+              <a:gd name="adj1" fmla="val -678"/>
+            </a:avLst>
+          </a:prstGeom>
+          <a:ln>
+            <a:tailEnd type="triangle"/>
+          </a:ln>
+        </p:spPr>
+        <p:style>
+          <a:lnRef idx="1">
+            <a:schemeClr val="accent1"/>
+          </a:lnRef>
+          <a:fillRef idx="0">
+            <a:schemeClr val="accent1"/>
+          </a:fillRef>
+          <a:effectRef idx="0">
+            <a:schemeClr val="accent1"/>
+          </a:effectRef>
+          <a:fontRef idx="minor">
+            <a:schemeClr val="tx1"/>
+          </a:fontRef>
+        </p:style>
+      </p:cxnSp>
+      <p:sp>
+        <p:nvSpPr>
+          <p:cNvPr id="48" name="Subtitle 2">
+            <a:extLst>
+              <a:ext uri="{FF2B5EF4-FFF2-40B4-BE49-F238E27FC236}">
+                <a16:creationId xmlns:a16="http://schemas.microsoft.com/office/drawing/2014/main" id="{CBBBD4CB-EA64-4029-9EAE-1C9EBCC9C7D3}"/>
+              </a:ext>
+            </a:extLst>
+          </p:cNvPr>
+          <p:cNvSpPr txBox="1">
+            <a:spLocks/>
+          </p:cNvSpPr>
+          <p:nvPr/>
+        </p:nvSpPr>
+        <p:spPr>
+          <a:xfrm>
+            <a:off x="8478654" y="2003560"/>
+            <a:ext cx="1765661" cy="269933"/>
+          </a:xfrm>
+          <a:prstGeom prst="rect">
+            <a:avLst/>
+          </a:prstGeom>
+        </p:spPr>
+        <p:txBody>
+          <a:bodyPr vert="horz" lIns="91440" tIns="45720" rIns="91440" bIns="45720" rtlCol="0">
+            <a:noAutofit/>
+          </a:bodyPr>
+          <a:lstStyle>
+            <a:lvl1pPr marL="0" indent="0" algn="ctr" defTabSz="914400" rtl="0" eaLnBrk="1" latinLnBrk="0" hangingPunct="1">
+              <a:lnSpc>
+                <a:spcPct val="90000"/>
+              </a:lnSpc>
+              <a:spcBef>
+                <a:spcPts val="1000"/>
+              </a:spcBef>
+              <a:buFont typeface="Arial" panose="020B0604020202020204" pitchFamily="34" charset="0"/>
+              <a:buNone/>
+              <a:defRPr sz="2400" kern="1200">
+                <a:solidFill>
+                  <a:schemeClr val="tx1"/>
+                </a:solidFill>
+                <a:latin typeface="+mn-lt"/>
+                <a:ea typeface="+mn-ea"/>
+                <a:cs typeface="+mn-cs"/>
+              </a:defRPr>
+            </a:lvl1pPr>
+            <a:lvl2pPr marL="457200" indent="0" algn="ctr" defTabSz="914400" rtl="0" eaLnBrk="1" latinLnBrk="0" hangingPunct="1">
+              <a:lnSpc>
+                <a:spcPct val="90000"/>
+              </a:lnSpc>
+              <a:spcBef>
+                <a:spcPts val="500"/>
+              </a:spcBef>
+              <a:buFont typeface="Arial" panose="020B0604020202020204" pitchFamily="34" charset="0"/>
+              <a:buNone/>
+              <a:defRPr sz="2000" kern="1200">
+                <a:solidFill>
+                  <a:schemeClr val="tx1"/>
+                </a:solidFill>
+                <a:latin typeface="+mn-lt"/>
+                <a:ea typeface="+mn-ea"/>
+                <a:cs typeface="+mn-cs"/>
+              </a:defRPr>
+            </a:lvl2pPr>
+            <a:lvl3pPr marL="914400" indent="0" algn="ctr" defTabSz="914400" rtl="0" eaLnBrk="1" latinLnBrk="0" hangingPunct="1">
+              <a:lnSpc>
+                <a:spcPct val="90000"/>
+              </a:lnSpc>
+              <a:spcBef>
+                <a:spcPts val="500"/>
+              </a:spcBef>
+              <a:buFont typeface="Arial" panose="020B0604020202020204" pitchFamily="34" charset="0"/>
+              <a:buNone/>
+              <a:defRPr sz="1800" kern="1200">
+                <a:solidFill>
+                  <a:schemeClr val="tx1"/>
+                </a:solidFill>
+                <a:latin typeface="+mn-lt"/>
+                <a:ea typeface="+mn-ea"/>
+                <a:cs typeface="+mn-cs"/>
+              </a:defRPr>
+            </a:lvl3pPr>
+            <a:lvl4pPr marL="1371600" indent="0" algn="ctr" defTabSz="914400" rtl="0" eaLnBrk="1" latinLnBrk="0" hangingPunct="1">
+              <a:lnSpc>
+                <a:spcPct val="90000"/>
+              </a:lnSpc>
+              <a:spcBef>
+                <a:spcPts val="500"/>
+              </a:spcBef>
+              <a:buFont typeface="Arial" panose="020B0604020202020204" pitchFamily="34" charset="0"/>
+              <a:buNone/>
+              <a:defRPr sz="1600" kern="1200">
+                <a:solidFill>
+                  <a:schemeClr val="tx1"/>
+                </a:solidFill>
+                <a:latin typeface="+mn-lt"/>
+                <a:ea typeface="+mn-ea"/>
+                <a:cs typeface="+mn-cs"/>
+              </a:defRPr>
+            </a:lvl4pPr>
+            <a:lvl5pPr marL="1828800" indent="0" algn="ctr" defTabSz="914400" rtl="0" eaLnBrk="1" latinLnBrk="0" hangingPunct="1">
+              <a:lnSpc>
+                <a:spcPct val="90000"/>
+              </a:lnSpc>
+              <a:spcBef>
+                <a:spcPts val="500"/>
+              </a:spcBef>
+              <a:buFont typeface="Arial" panose="020B0604020202020204" pitchFamily="34" charset="0"/>
+              <a:buNone/>
+              <a:defRPr sz="1600" kern="1200">
+                <a:solidFill>
+                  <a:schemeClr val="tx1"/>
+                </a:solidFill>
+                <a:latin typeface="+mn-lt"/>
+                <a:ea typeface="+mn-ea"/>
+                <a:cs typeface="+mn-cs"/>
+              </a:defRPr>
+            </a:lvl5pPr>
+            <a:lvl6pPr marL="2286000" indent="0" algn="ctr" defTabSz="914400" rtl="0" eaLnBrk="1" latinLnBrk="0" hangingPunct="1">
+              <a:lnSpc>
+                <a:spcPct val="90000"/>
+              </a:lnSpc>
+              <a:spcBef>
+                <a:spcPts val="500"/>
+              </a:spcBef>
+              <a:buFont typeface="Arial" panose="020B0604020202020204" pitchFamily="34" charset="0"/>
+              <a:buNone/>
+              <a:defRPr sz="1600" kern="1200">
+                <a:solidFill>
+                  <a:schemeClr val="tx1"/>
+                </a:solidFill>
+                <a:latin typeface="+mn-lt"/>
+                <a:ea typeface="+mn-ea"/>
+                <a:cs typeface="+mn-cs"/>
+              </a:defRPr>
+            </a:lvl6pPr>
+            <a:lvl7pPr marL="2743200" indent="0" algn="ctr" defTabSz="914400" rtl="0" eaLnBrk="1" latinLnBrk="0" hangingPunct="1">
+              <a:lnSpc>
+                <a:spcPct val="90000"/>
+              </a:lnSpc>
+              <a:spcBef>
+                <a:spcPts val="500"/>
+              </a:spcBef>
+              <a:buFont typeface="Arial" panose="020B0604020202020204" pitchFamily="34" charset="0"/>
+              <a:buNone/>
+              <a:defRPr sz="1600" kern="1200">
+                <a:solidFill>
+                  <a:schemeClr val="tx1"/>
+                </a:solidFill>
+                <a:latin typeface="+mn-lt"/>
+                <a:ea typeface="+mn-ea"/>
+                <a:cs typeface="+mn-cs"/>
+              </a:defRPr>
+            </a:lvl7pPr>
+            <a:lvl8pPr marL="3200400" indent="0" algn="ctr" defTabSz="914400" rtl="0" eaLnBrk="1" latinLnBrk="0" hangingPunct="1">
+              <a:lnSpc>
+                <a:spcPct val="90000"/>
+              </a:lnSpc>
+              <a:spcBef>
+                <a:spcPts val="500"/>
+              </a:spcBef>
+              <a:buFont typeface="Arial" panose="020B0604020202020204" pitchFamily="34" charset="0"/>
+              <a:buNone/>
+              <a:defRPr sz="1600" kern="1200">
+                <a:solidFill>
+                  <a:schemeClr val="tx1"/>
+                </a:solidFill>
+                <a:latin typeface="+mn-lt"/>
+                <a:ea typeface="+mn-ea"/>
+                <a:cs typeface="+mn-cs"/>
+              </a:defRPr>
+            </a:lvl8pPr>
+            <a:lvl9pPr marL="3657600" indent="0" algn="ctr" defTabSz="914400" rtl="0" eaLnBrk="1" latinLnBrk="0" hangingPunct="1">
+              <a:lnSpc>
+                <a:spcPct val="90000"/>
+              </a:lnSpc>
+              <a:spcBef>
+                <a:spcPts val="500"/>
+              </a:spcBef>
+              <a:buFont typeface="Arial" panose="020B0604020202020204" pitchFamily="34" charset="0"/>
+              <a:buNone/>
+              <a:defRPr sz="1600" kern="1200">
+                <a:solidFill>
+                  <a:schemeClr val="tx1"/>
+                </a:solidFill>
+                <a:latin typeface="+mn-lt"/>
+                <a:ea typeface="+mn-ea"/>
+                <a:cs typeface="+mn-cs"/>
+              </a:defRPr>
+            </a:lvl9pPr>
+          </a:lstStyle>
+          <a:p>
+            <a:pPr algn="l"/>
+            <a:r>
+              <a:rPr lang="en-US" sz="1200" b="1" dirty="0"/>
+              <a:t>Output to dashboard</a:t>
+            </a:r>
+          </a:p>
+          <a:p>
+            <a:pPr algn="l"/>
+            <a:endParaRPr lang="en-US" sz="1200" dirty="0"/>
+          </a:p>
+        </p:txBody>
+      </p:sp>
+    </p:spTree>
+    <p:extLst>
+      <p:ext uri="{BB962C8B-B14F-4D97-AF65-F5344CB8AC3E}">
+        <p14:creationId xmlns:p14="http://schemas.microsoft.com/office/powerpoint/2010/main" val="995937928"/>
+      </p:ext>
+    </p:extLst>
+  </p:cSld>
+  <p:clrMapOvr>
+    <a:masterClrMapping/>
+  </p:clrMapOvr>
+</p:sld>
+</file>
+
 <file path=ppt/slides/slide2.xml><?xml version="1.0" encoding="utf-8"?>
 <p:sld xmlns:a="http://schemas.openxmlformats.org/drawingml/2006/main" xmlns:r="http://schemas.openxmlformats.org/officeDocument/2006/relationships" xmlns:p="http://schemas.openxmlformats.org/presentationml/2006/main">
   <p:cSld>

--- a/Trade Bot.pptx
+++ b/Trade Bot.pptx
@@ -21,6 +21,7 @@
     <p:sldId id="268" r:id="rId15"/>
     <p:sldId id="271" r:id="rId16"/>
     <p:sldId id="272" r:id="rId17"/>
+    <p:sldId id="273" r:id="rId18"/>
   </p:sldIdLst>
   <p:sldSz cx="12192000" cy="6858000"/>
   <p:notesSz cx="6858000" cy="9144000"/>
@@ -276,7 +277,7 @@
           <a:p>
             <a:fld id="{7DF43821-60AB-408D-8E7E-E9FE9B9750F4}" type="datetimeFigureOut">
               <a:rPr lang="en-SG" smtClean="0"/>
-              <a:t>03/02/2022</a:t>
+              <a:t>27/03/2022</a:t>
             </a:fld>
             <a:endParaRPr lang="en-SG"/>
           </a:p>
@@ -476,7 +477,7 @@
           <a:p>
             <a:fld id="{7DF43821-60AB-408D-8E7E-E9FE9B9750F4}" type="datetimeFigureOut">
               <a:rPr lang="en-SG" smtClean="0"/>
-              <a:t>03/02/2022</a:t>
+              <a:t>27/03/2022</a:t>
             </a:fld>
             <a:endParaRPr lang="en-SG"/>
           </a:p>
@@ -686,7 +687,7 @@
           <a:p>
             <a:fld id="{7DF43821-60AB-408D-8E7E-E9FE9B9750F4}" type="datetimeFigureOut">
               <a:rPr lang="en-SG" smtClean="0"/>
-              <a:t>03/02/2022</a:t>
+              <a:t>27/03/2022</a:t>
             </a:fld>
             <a:endParaRPr lang="en-SG"/>
           </a:p>
@@ -886,7 +887,7 @@
           <a:p>
             <a:fld id="{7DF43821-60AB-408D-8E7E-E9FE9B9750F4}" type="datetimeFigureOut">
               <a:rPr lang="en-SG" smtClean="0"/>
-              <a:t>03/02/2022</a:t>
+              <a:t>27/03/2022</a:t>
             </a:fld>
             <a:endParaRPr lang="en-SG"/>
           </a:p>
@@ -1162,7 +1163,7 @@
           <a:p>
             <a:fld id="{7DF43821-60AB-408D-8E7E-E9FE9B9750F4}" type="datetimeFigureOut">
               <a:rPr lang="en-SG" smtClean="0"/>
-              <a:t>03/02/2022</a:t>
+              <a:t>27/03/2022</a:t>
             </a:fld>
             <a:endParaRPr lang="en-SG"/>
           </a:p>
@@ -1430,7 +1431,7 @@
           <a:p>
             <a:fld id="{7DF43821-60AB-408D-8E7E-E9FE9B9750F4}" type="datetimeFigureOut">
               <a:rPr lang="en-SG" smtClean="0"/>
-              <a:t>03/02/2022</a:t>
+              <a:t>27/03/2022</a:t>
             </a:fld>
             <a:endParaRPr lang="en-SG"/>
           </a:p>
@@ -1845,7 +1846,7 @@
           <a:p>
             <a:fld id="{7DF43821-60AB-408D-8E7E-E9FE9B9750F4}" type="datetimeFigureOut">
               <a:rPr lang="en-SG" smtClean="0"/>
-              <a:t>03/02/2022</a:t>
+              <a:t>27/03/2022</a:t>
             </a:fld>
             <a:endParaRPr lang="en-SG"/>
           </a:p>
@@ -1987,7 +1988,7 @@
           <a:p>
             <a:fld id="{7DF43821-60AB-408D-8E7E-E9FE9B9750F4}" type="datetimeFigureOut">
               <a:rPr lang="en-SG" smtClean="0"/>
-              <a:t>03/02/2022</a:t>
+              <a:t>27/03/2022</a:t>
             </a:fld>
             <a:endParaRPr lang="en-SG"/>
           </a:p>
@@ -2100,7 +2101,7 @@
           <a:p>
             <a:fld id="{7DF43821-60AB-408D-8E7E-E9FE9B9750F4}" type="datetimeFigureOut">
               <a:rPr lang="en-SG" smtClean="0"/>
-              <a:t>03/02/2022</a:t>
+              <a:t>27/03/2022</a:t>
             </a:fld>
             <a:endParaRPr lang="en-SG"/>
           </a:p>
@@ -2413,7 +2414,7 @@
           <a:p>
             <a:fld id="{7DF43821-60AB-408D-8E7E-E9FE9B9750F4}" type="datetimeFigureOut">
               <a:rPr lang="en-SG" smtClean="0"/>
-              <a:t>03/02/2022</a:t>
+              <a:t>27/03/2022</a:t>
             </a:fld>
             <a:endParaRPr lang="en-SG"/>
           </a:p>
@@ -2702,7 +2703,7 @@
           <a:p>
             <a:fld id="{7DF43821-60AB-408D-8E7E-E9FE9B9750F4}" type="datetimeFigureOut">
               <a:rPr lang="en-SG" smtClean="0"/>
-              <a:t>03/02/2022</a:t>
+              <a:t>27/03/2022</a:t>
             </a:fld>
             <a:endParaRPr lang="en-SG"/>
           </a:p>
@@ -2945,7 +2946,7 @@
           <a:p>
             <a:fld id="{7DF43821-60AB-408D-8E7E-E9FE9B9750F4}" type="datetimeFigureOut">
               <a:rPr lang="en-SG" smtClean="0"/>
-              <a:t>03/02/2022</a:t>
+              <a:t>27/03/2022</a:t>
             </a:fld>
             <a:endParaRPr lang="en-SG"/>
           </a:p>
@@ -9323,6 +9324,100 @@
 </p:sld>
 </file>
 
+<file path=ppt/slides/slide17.xml><?xml version="1.0" encoding="utf-8"?>
+<p:sld xmlns:a="http://schemas.openxmlformats.org/drawingml/2006/main" xmlns:r="http://schemas.openxmlformats.org/officeDocument/2006/relationships" xmlns:p="http://schemas.openxmlformats.org/presentationml/2006/main">
+  <p:cSld>
+    <p:spTree>
+      <p:nvGrpSpPr>
+        <p:cNvPr id="1" name=""/>
+        <p:cNvGrpSpPr/>
+        <p:nvPr/>
+      </p:nvGrpSpPr>
+      <p:grpSpPr>
+        <a:xfrm>
+          <a:off x="0" y="0"/>
+          <a:ext cx="0" cy="0"/>
+          <a:chOff x="0" y="0"/>
+          <a:chExt cx="0" cy="0"/>
+        </a:xfrm>
+      </p:grpSpPr>
+      <p:sp>
+        <p:nvSpPr>
+          <p:cNvPr id="2" name="Title 1">
+            <a:extLst>
+              <a:ext uri="{FF2B5EF4-FFF2-40B4-BE49-F238E27FC236}">
+                <a16:creationId xmlns:a16="http://schemas.microsoft.com/office/drawing/2014/main" id="{C799DFD5-9CBF-49C3-A637-3376FEBA9836}"/>
+              </a:ext>
+            </a:extLst>
+          </p:cNvPr>
+          <p:cNvSpPr>
+            <a:spLocks noGrp="1"/>
+          </p:cNvSpPr>
+          <p:nvPr>
+            <p:ph type="ctrTitle"/>
+          </p:nvPr>
+        </p:nvSpPr>
+        <p:spPr>
+          <a:xfrm>
+            <a:off x="1524000" y="58547"/>
+            <a:ext cx="9144000" cy="974725"/>
+          </a:xfrm>
+        </p:spPr>
+        <p:txBody>
+          <a:bodyPr/>
+          <a:lstStyle/>
+          <a:p>
+            <a:r>
+              <a:rPr lang="en-US" dirty="0"/>
+              <a:t>Dashboard</a:t>
+            </a:r>
+            <a:endParaRPr lang="en-SG" dirty="0"/>
+          </a:p>
+        </p:txBody>
+      </p:sp>
+      <p:pic>
+        <p:nvPicPr>
+          <p:cNvPr id="3" name="Picture 2">
+            <a:extLst>
+              <a:ext uri="{FF2B5EF4-FFF2-40B4-BE49-F238E27FC236}">
+                <a16:creationId xmlns:a16="http://schemas.microsoft.com/office/drawing/2014/main" id="{5AB5A1C8-C3D1-4BF2-BA29-BEAC8EC59CB8}"/>
+              </a:ext>
+            </a:extLst>
+          </p:cNvPr>
+          <p:cNvPicPr>
+            <a:picLocks noChangeAspect="1"/>
+          </p:cNvPicPr>
+          <p:nvPr/>
+        </p:nvPicPr>
+        <p:blipFill>
+          <a:blip r:embed="rId2"/>
+          <a:stretch>
+            <a:fillRect/>
+          </a:stretch>
+        </p:blipFill>
+        <p:spPr>
+          <a:xfrm>
+            <a:off x="762000" y="893178"/>
+            <a:ext cx="10668000" cy="5751200"/>
+          </a:xfrm>
+          <a:prstGeom prst="rect">
+            <a:avLst/>
+          </a:prstGeom>
+        </p:spPr>
+      </p:pic>
+    </p:spTree>
+    <p:extLst>
+      <p:ext uri="{BB962C8B-B14F-4D97-AF65-F5344CB8AC3E}">
+        <p14:creationId xmlns:p14="http://schemas.microsoft.com/office/powerpoint/2010/main" val="2335635960"/>
+      </p:ext>
+    </p:extLst>
+  </p:cSld>
+  <p:clrMapOvr>
+    <a:masterClrMapping/>
+  </p:clrMapOvr>
+</p:sld>
+</file>
+
 <file path=ppt/slides/slide2.xml><?xml version="1.0" encoding="utf-8"?>
 <p:sld xmlns:a="http://schemas.openxmlformats.org/drawingml/2006/main" xmlns:r="http://schemas.openxmlformats.org/officeDocument/2006/relationships" xmlns:p="http://schemas.openxmlformats.org/presentationml/2006/main">
   <p:cSld>
@@ -9392,7 +9487,7 @@
         </p:nvSpPr>
         <p:spPr>
           <a:xfrm>
-            <a:off x="457201" y="1049338"/>
+            <a:off x="82565" y="985964"/>
             <a:ext cx="5114924" cy="4437062"/>
           </a:xfrm>
         </p:spPr>
@@ -9405,7 +9500,7 @@
             <a:pPr algn="l"/>
             <a:r>
               <a:rPr lang="en-US" sz="1400" b="1" u="sng" dirty="0"/>
-              <a:t>v1.0 Features</a:t>
+              <a:t>v1.0 Features (27/03/2022)</a:t>
             </a:r>
           </a:p>
           <a:p>
@@ -9499,8 +9594,18 @@
             </a:pPr>
             <a:r>
               <a:rPr lang="en-US" sz="1400" dirty="0"/>
-              <a:t>Periodically output the list of tickers that have a feasible setup based on the 3 day trade methods</a:t>
-            </a:r>
+              <a:t>Periodically output the list of tickers that have a feasible setup based on the 3 day trade methods </a:t>
+            </a:r>
+            <a:r>
+              <a:rPr lang="en-US" sz="1400" dirty="0">
+                <a:solidFill>
+                  <a:schemeClr val="accent6"/>
+                </a:solidFill>
+                <a:sym typeface="Wingdings" panose="05000000000000000000" pitchFamily="2" charset="2"/>
+              </a:rPr>
+              <a:t></a:t>
+            </a:r>
+            <a:endParaRPr lang="en-US" sz="1400" dirty="0"/>
           </a:p>
           <a:p>
             <a:pPr algn="l"/>
@@ -9614,7 +9719,7 @@
         </p:nvSpPr>
         <p:spPr>
           <a:xfrm>
-            <a:off x="6467476" y="1049338"/>
+            <a:off x="5100403" y="985964"/>
             <a:ext cx="4733924" cy="5389562"/>
           </a:xfrm>
           <a:prstGeom prst="rect">
@@ -9623,7 +9728,7 @@
         </p:spPr>
         <p:txBody>
           <a:bodyPr vert="horz" lIns="91440" tIns="45720" rIns="91440" bIns="45720" rtlCol="0">
-            <a:normAutofit fontScale="92500" lnSpcReduction="10000"/>
+            <a:normAutofit/>
           </a:bodyPr>
           <a:lstStyle>
             <a:lvl1pPr marL="0" indent="0" algn="ctr" defTabSz="914400" rtl="0" eaLnBrk="1" latinLnBrk="0" hangingPunct="1">
@@ -9802,8 +9907,12 @@
               <a:buAutoNum type="arabicPeriod"/>
             </a:pPr>
             <a:r>
+              <a:rPr lang="en-US" sz="1400" dirty="0" err="1"/>
+              <a:t>Backtest</a:t>
+            </a:r>
+            <a:r>
               <a:rPr lang="en-US" sz="1400" dirty="0"/>
-              <a:t>Dashboard to visualize the possible setups</a:t>
+              <a:t> the various methods</a:t>
             </a:r>
           </a:p>
           <a:p>
@@ -9813,41 +9922,7 @@
             </a:pPr>
             <a:r>
               <a:rPr lang="en-US" sz="1400" dirty="0"/>
-              <a:t>Able to calculate the stop loss</a:t>
-            </a:r>
-          </a:p>
-          <a:p>
-            <a:pPr marL="457200" indent="-457200" algn="l">
-              <a:buFont typeface="+mj-lt"/>
-              <a:buAutoNum type="arabicPeriod"/>
-            </a:pPr>
-            <a:r>
-              <a:rPr lang="en-US" sz="1400" dirty="0" err="1"/>
-              <a:t>Analyse</a:t>
-            </a:r>
-            <a:r>
-              <a:rPr lang="en-US" sz="1400" dirty="0"/>
-              <a:t> if the risk is too big</a:t>
-            </a:r>
-          </a:p>
-          <a:p>
-            <a:pPr marL="457200" indent="-457200" algn="l">
-              <a:buFont typeface="+mj-lt"/>
-              <a:buAutoNum type="arabicPeriod"/>
-            </a:pPr>
-            <a:r>
-              <a:rPr lang="en-US" sz="1400" dirty="0"/>
-              <a:t>Calculate position sizing</a:t>
-            </a:r>
-          </a:p>
-          <a:p>
-            <a:pPr marL="457200" indent="-457200" algn="l">
-              <a:buFont typeface="+mj-lt"/>
-              <a:buAutoNum type="arabicPeriod"/>
-            </a:pPr>
-            <a:r>
-              <a:rPr lang="en-US" sz="1400" dirty="0"/>
-              <a:t>Cross reference with SPY and key levels</a:t>
+              <a:t>Analyze Profits</a:t>
             </a:r>
           </a:p>
           <a:p>
@@ -9859,6 +9934,294 @@
           </a:p>
           <a:p>
             <a:pPr algn="l"/>
+            <a:endParaRPr lang="en-US" sz="1400" dirty="0"/>
+          </a:p>
+          <a:p>
+            <a:pPr algn="l"/>
+            <a:endParaRPr lang="en-US" sz="1400" dirty="0"/>
+          </a:p>
+          <a:p>
+            <a:pPr algn="l"/>
+            <a:endParaRPr lang="en-US" sz="1400" dirty="0"/>
+          </a:p>
+          <a:p>
+            <a:pPr algn="l"/>
+            <a:endParaRPr lang="en-US" dirty="0"/>
+          </a:p>
+          <a:p>
+            <a:pPr marL="457200" indent="-457200" algn="l">
+              <a:buFont typeface="Arial" panose="020B0604020202020204" pitchFamily="34" charset="0"/>
+              <a:buChar char="•"/>
+            </a:pPr>
+            <a:endParaRPr lang="en-US" dirty="0"/>
+          </a:p>
+          <a:p>
+            <a:pPr algn="l"/>
+            <a:endParaRPr lang="en-US" dirty="0"/>
+          </a:p>
+          <a:p>
+            <a:pPr algn="l"/>
+            <a:endParaRPr lang="en-US" dirty="0"/>
+          </a:p>
+        </p:txBody>
+      </p:sp>
+      <p:sp>
+        <p:nvSpPr>
+          <p:cNvPr id="5" name="Subtitle 2">
+            <a:extLst>
+              <a:ext uri="{FF2B5EF4-FFF2-40B4-BE49-F238E27FC236}">
+                <a16:creationId xmlns:a16="http://schemas.microsoft.com/office/drawing/2014/main" id="{42B687F5-067E-43CD-8D2B-6EDAB1851515}"/>
+              </a:ext>
+            </a:extLst>
+          </p:cNvPr>
+          <p:cNvSpPr txBox="1">
+            <a:spLocks/>
+          </p:cNvSpPr>
+          <p:nvPr/>
+        </p:nvSpPr>
+        <p:spPr>
+          <a:xfrm>
+            <a:off x="8979051" y="1064482"/>
+            <a:ext cx="3212949" cy="5389562"/>
+          </a:xfrm>
+          <a:prstGeom prst="rect">
+            <a:avLst/>
+          </a:prstGeom>
+        </p:spPr>
+        <p:txBody>
+          <a:bodyPr vert="horz" lIns="91440" tIns="45720" rIns="91440" bIns="45720" rtlCol="0">
+            <a:normAutofit fontScale="85000" lnSpcReduction="10000"/>
+          </a:bodyPr>
+          <a:lstStyle>
+            <a:lvl1pPr marL="0" indent="0" algn="ctr" defTabSz="914400" rtl="0" eaLnBrk="1" latinLnBrk="0" hangingPunct="1">
+              <a:lnSpc>
+                <a:spcPct val="90000"/>
+              </a:lnSpc>
+              <a:spcBef>
+                <a:spcPts val="1000"/>
+              </a:spcBef>
+              <a:buFont typeface="Arial" panose="020B0604020202020204" pitchFamily="34" charset="0"/>
+              <a:buNone/>
+              <a:defRPr sz="2400" kern="1200">
+                <a:solidFill>
+                  <a:schemeClr val="tx1"/>
+                </a:solidFill>
+                <a:latin typeface="+mn-lt"/>
+                <a:ea typeface="+mn-ea"/>
+                <a:cs typeface="+mn-cs"/>
+              </a:defRPr>
+            </a:lvl1pPr>
+            <a:lvl2pPr marL="457200" indent="0" algn="ctr" defTabSz="914400" rtl="0" eaLnBrk="1" latinLnBrk="0" hangingPunct="1">
+              <a:lnSpc>
+                <a:spcPct val="90000"/>
+              </a:lnSpc>
+              <a:spcBef>
+                <a:spcPts val="500"/>
+              </a:spcBef>
+              <a:buFont typeface="Arial" panose="020B0604020202020204" pitchFamily="34" charset="0"/>
+              <a:buNone/>
+              <a:defRPr sz="2000" kern="1200">
+                <a:solidFill>
+                  <a:schemeClr val="tx1"/>
+                </a:solidFill>
+                <a:latin typeface="+mn-lt"/>
+                <a:ea typeface="+mn-ea"/>
+                <a:cs typeface="+mn-cs"/>
+              </a:defRPr>
+            </a:lvl2pPr>
+            <a:lvl3pPr marL="914400" indent="0" algn="ctr" defTabSz="914400" rtl="0" eaLnBrk="1" latinLnBrk="0" hangingPunct="1">
+              <a:lnSpc>
+                <a:spcPct val="90000"/>
+              </a:lnSpc>
+              <a:spcBef>
+                <a:spcPts val="500"/>
+              </a:spcBef>
+              <a:buFont typeface="Arial" panose="020B0604020202020204" pitchFamily="34" charset="0"/>
+              <a:buNone/>
+              <a:defRPr sz="1800" kern="1200">
+                <a:solidFill>
+                  <a:schemeClr val="tx1"/>
+                </a:solidFill>
+                <a:latin typeface="+mn-lt"/>
+                <a:ea typeface="+mn-ea"/>
+                <a:cs typeface="+mn-cs"/>
+              </a:defRPr>
+            </a:lvl3pPr>
+            <a:lvl4pPr marL="1371600" indent="0" algn="ctr" defTabSz="914400" rtl="0" eaLnBrk="1" latinLnBrk="0" hangingPunct="1">
+              <a:lnSpc>
+                <a:spcPct val="90000"/>
+              </a:lnSpc>
+              <a:spcBef>
+                <a:spcPts val="500"/>
+              </a:spcBef>
+              <a:buFont typeface="Arial" panose="020B0604020202020204" pitchFamily="34" charset="0"/>
+              <a:buNone/>
+              <a:defRPr sz="1600" kern="1200">
+                <a:solidFill>
+                  <a:schemeClr val="tx1"/>
+                </a:solidFill>
+                <a:latin typeface="+mn-lt"/>
+                <a:ea typeface="+mn-ea"/>
+                <a:cs typeface="+mn-cs"/>
+              </a:defRPr>
+            </a:lvl4pPr>
+            <a:lvl5pPr marL="1828800" indent="0" algn="ctr" defTabSz="914400" rtl="0" eaLnBrk="1" latinLnBrk="0" hangingPunct="1">
+              <a:lnSpc>
+                <a:spcPct val="90000"/>
+              </a:lnSpc>
+              <a:spcBef>
+                <a:spcPts val="500"/>
+              </a:spcBef>
+              <a:buFont typeface="Arial" panose="020B0604020202020204" pitchFamily="34" charset="0"/>
+              <a:buNone/>
+              <a:defRPr sz="1600" kern="1200">
+                <a:solidFill>
+                  <a:schemeClr val="tx1"/>
+                </a:solidFill>
+                <a:latin typeface="+mn-lt"/>
+                <a:ea typeface="+mn-ea"/>
+                <a:cs typeface="+mn-cs"/>
+              </a:defRPr>
+            </a:lvl5pPr>
+            <a:lvl6pPr marL="2286000" indent="0" algn="ctr" defTabSz="914400" rtl="0" eaLnBrk="1" latinLnBrk="0" hangingPunct="1">
+              <a:lnSpc>
+                <a:spcPct val="90000"/>
+              </a:lnSpc>
+              <a:spcBef>
+                <a:spcPts val="500"/>
+              </a:spcBef>
+              <a:buFont typeface="Arial" panose="020B0604020202020204" pitchFamily="34" charset="0"/>
+              <a:buNone/>
+              <a:defRPr sz="1600" kern="1200">
+                <a:solidFill>
+                  <a:schemeClr val="tx1"/>
+                </a:solidFill>
+                <a:latin typeface="+mn-lt"/>
+                <a:ea typeface="+mn-ea"/>
+                <a:cs typeface="+mn-cs"/>
+              </a:defRPr>
+            </a:lvl6pPr>
+            <a:lvl7pPr marL="2743200" indent="0" algn="ctr" defTabSz="914400" rtl="0" eaLnBrk="1" latinLnBrk="0" hangingPunct="1">
+              <a:lnSpc>
+                <a:spcPct val="90000"/>
+              </a:lnSpc>
+              <a:spcBef>
+                <a:spcPts val="500"/>
+              </a:spcBef>
+              <a:buFont typeface="Arial" panose="020B0604020202020204" pitchFamily="34" charset="0"/>
+              <a:buNone/>
+              <a:defRPr sz="1600" kern="1200">
+                <a:solidFill>
+                  <a:schemeClr val="tx1"/>
+                </a:solidFill>
+                <a:latin typeface="+mn-lt"/>
+                <a:ea typeface="+mn-ea"/>
+                <a:cs typeface="+mn-cs"/>
+              </a:defRPr>
+            </a:lvl7pPr>
+            <a:lvl8pPr marL="3200400" indent="0" algn="ctr" defTabSz="914400" rtl="0" eaLnBrk="1" latinLnBrk="0" hangingPunct="1">
+              <a:lnSpc>
+                <a:spcPct val="90000"/>
+              </a:lnSpc>
+              <a:spcBef>
+                <a:spcPts val="500"/>
+              </a:spcBef>
+              <a:buFont typeface="Arial" panose="020B0604020202020204" pitchFamily="34" charset="0"/>
+              <a:buNone/>
+              <a:defRPr sz="1600" kern="1200">
+                <a:solidFill>
+                  <a:schemeClr val="tx1"/>
+                </a:solidFill>
+                <a:latin typeface="+mn-lt"/>
+                <a:ea typeface="+mn-ea"/>
+                <a:cs typeface="+mn-cs"/>
+              </a:defRPr>
+            </a:lvl8pPr>
+            <a:lvl9pPr marL="3657600" indent="0" algn="ctr" defTabSz="914400" rtl="0" eaLnBrk="1" latinLnBrk="0" hangingPunct="1">
+              <a:lnSpc>
+                <a:spcPct val="90000"/>
+              </a:lnSpc>
+              <a:spcBef>
+                <a:spcPts val="500"/>
+              </a:spcBef>
+              <a:buFont typeface="Arial" panose="020B0604020202020204" pitchFamily="34" charset="0"/>
+              <a:buNone/>
+              <a:defRPr sz="1600" kern="1200">
+                <a:solidFill>
+                  <a:schemeClr val="tx1"/>
+                </a:solidFill>
+                <a:latin typeface="+mn-lt"/>
+                <a:ea typeface="+mn-ea"/>
+                <a:cs typeface="+mn-cs"/>
+              </a:defRPr>
+            </a:lvl9pPr>
+          </a:lstStyle>
+          <a:p>
+            <a:pPr algn="l"/>
+            <a:r>
+              <a:rPr lang="en-US" sz="1400" b="1" u="sng" dirty="0"/>
+              <a:t>v1.02 Features</a:t>
+            </a:r>
+          </a:p>
+          <a:p>
+            <a:pPr marL="457200" indent="-457200" algn="l">
+              <a:buFont typeface="+mj-lt"/>
+              <a:buAutoNum type="arabicPeriod"/>
+            </a:pPr>
+            <a:r>
+              <a:rPr lang="en-US" sz="1400" dirty="0"/>
+              <a:t>Dashboard to visualize the possible setups</a:t>
+            </a:r>
+          </a:p>
+          <a:p>
+            <a:pPr marL="457200" indent="-457200" algn="l">
+              <a:buFont typeface="+mj-lt"/>
+              <a:buAutoNum type="arabicPeriod"/>
+            </a:pPr>
+            <a:r>
+              <a:rPr lang="en-US" sz="1400" dirty="0"/>
+              <a:t>Able to calculate the stop loss</a:t>
+            </a:r>
+          </a:p>
+          <a:p>
+            <a:pPr marL="457200" indent="-457200" algn="l">
+              <a:buFont typeface="+mj-lt"/>
+              <a:buAutoNum type="arabicPeriod"/>
+            </a:pPr>
+            <a:r>
+              <a:rPr lang="en-US" sz="1400" dirty="0" err="1"/>
+              <a:t>Analyse</a:t>
+            </a:r>
+            <a:r>
+              <a:rPr lang="en-US" sz="1400" dirty="0"/>
+              <a:t> if the risk is too big</a:t>
+            </a:r>
+          </a:p>
+          <a:p>
+            <a:pPr marL="457200" indent="-457200" algn="l">
+              <a:buFont typeface="+mj-lt"/>
+              <a:buAutoNum type="arabicPeriod"/>
+            </a:pPr>
+            <a:r>
+              <a:rPr lang="en-US" sz="1400" dirty="0"/>
+              <a:t>Calculate position sizing</a:t>
+            </a:r>
+          </a:p>
+          <a:p>
+            <a:pPr marL="457200" indent="-457200" algn="l">
+              <a:buFont typeface="+mj-lt"/>
+              <a:buAutoNum type="arabicPeriod"/>
+            </a:pPr>
+            <a:r>
+              <a:rPr lang="en-US" sz="1400" dirty="0"/>
+              <a:t>Cross reference with SPY and key levels</a:t>
+            </a:r>
+          </a:p>
+          <a:p>
+            <a:pPr marL="457200" indent="-457200" algn="l">
+              <a:buFont typeface="+mj-lt"/>
+              <a:buAutoNum type="arabicPeriod"/>
+            </a:pPr>
             <a:endParaRPr lang="en-US" sz="1400" dirty="0"/>
           </a:p>
           <a:p>
